--- a/dev/covid_report_template.pptx
+++ b/dev/covid_report_template.pptx
@@ -7,6 +7,9 @@
   <p:notesMasterIdLst>
     <p:notesMasterId r:id="rId2"/>
   </p:notesMasterIdLst>
+  <p:handoutMasterIdLst>
+    <p:handoutMasterId r:id="rId3"/>
+  </p:handoutMasterIdLst>
   <p:sldSz cx="12192000" cy="6858000"/>
   <p:notesSz cx="6858000" cy="9144000"/>
   <p:defaultTextStyle>
@@ -153,6 +156,195 @@
 </p:presentation>
 </file>
 
+<file path=ppt/handoutMasters/handoutMaster1.xml><?xml version="1.0" encoding="utf-8"?>
+<p:handoutMaster xmlns:a="http://schemas.openxmlformats.org/drawingml/2006/main" xmlns:r="http://schemas.openxmlformats.org/officeDocument/2006/relationships" xmlns:p="http://schemas.openxmlformats.org/presentationml/2006/main">
+  <p:cSld>
+    <p:bg>
+      <p:bgRef idx="1001">
+        <a:schemeClr val="bg1"/>
+      </p:bgRef>
+    </p:bg>
+    <p:spTree>
+      <p:nvGrpSpPr>
+        <p:cNvPr id="1" name=""/>
+        <p:cNvGrpSpPr/>
+        <p:nvPr/>
+      </p:nvGrpSpPr>
+      <p:grpSpPr>
+        <a:xfrm>
+          <a:off x="0" y="0"/>
+          <a:ext cx="0" cy="0"/>
+          <a:chOff x="0" y="0"/>
+          <a:chExt cx="0" cy="0"/>
+        </a:xfrm>
+      </p:grpSpPr>
+      <p:sp>
+        <p:nvSpPr>
+          <p:cNvPr id="2" name="Header Placeholder 1">
+            <a:extLst>
+              <a:ext uri="{FF2B5EF4-FFF2-40B4-BE49-F238E27FC236}">
+                <a16:creationId xmlns:a16="http://schemas.microsoft.com/office/drawing/2014/main" id="{E9A072F9-DEC6-4D1E-9B93-4FB6D1EC8A75}"/>
+              </a:ext>
+            </a:extLst>
+          </p:cNvPr>
+          <p:cNvSpPr>
+            <a:spLocks noGrp="1"/>
+          </p:cNvSpPr>
+          <p:nvPr>
+            <p:ph type="hdr" sz="quarter"/>
+          </p:nvPr>
+        </p:nvSpPr>
+        <p:spPr>
+          <a:xfrm>
+            <a:off x="0" y="0"/>
+            <a:ext cx="2971800" cy="458788"/>
+          </a:xfrm>
+          <a:prstGeom prst="rect">
+            <a:avLst/>
+          </a:prstGeom>
+        </p:spPr>
+        <p:txBody>
+          <a:bodyPr vert="horz" lIns="91440" tIns="45720" rIns="91440" bIns="45720" rtlCol="0"/>
+          <a:lstStyle>
+            <a:lvl1pPr algn="l">
+              <a:defRPr sz="1200"/>
+            </a:lvl1pPr>
+          </a:lstStyle>
+          <a:p>
+            <a:endParaRPr lang="en-US"/>
+          </a:p>
+        </p:txBody>
+      </p:sp>
+      <p:sp>
+        <p:nvSpPr>
+          <p:cNvPr id="3" name="Date Placeholder 2">
+            <a:extLst>
+              <a:ext uri="{FF2B5EF4-FFF2-40B4-BE49-F238E27FC236}">
+                <a16:creationId xmlns:a16="http://schemas.microsoft.com/office/drawing/2014/main" id="{DE9DB9C8-8100-4BA0-9BBC-4933BD6D6C36}"/>
+              </a:ext>
+            </a:extLst>
+          </p:cNvPr>
+          <p:cNvSpPr>
+            <a:spLocks noGrp="1"/>
+          </p:cNvSpPr>
+          <p:nvPr>
+            <p:ph type="dt" sz="quarter" idx="1"/>
+          </p:nvPr>
+        </p:nvSpPr>
+        <p:spPr>
+          <a:xfrm>
+            <a:off x="3884613" y="0"/>
+            <a:ext cx="2971800" cy="458788"/>
+          </a:xfrm>
+          <a:prstGeom prst="rect">
+            <a:avLst/>
+          </a:prstGeom>
+        </p:spPr>
+        <p:txBody>
+          <a:bodyPr vert="horz" lIns="91440" tIns="45720" rIns="91440" bIns="45720" rtlCol="0"/>
+          <a:lstStyle>
+            <a:lvl1pPr algn="r">
+              <a:defRPr sz="1200"/>
+            </a:lvl1pPr>
+          </a:lstStyle>
+          <a:p>
+            <a:fld id="{12BC3984-E246-47BC-8B53-DDB270F22CB5}" type="datetimeFigureOut">
+              <a:rPr lang="en-US" smtClean="0"/>
+              <a:t>5/13/2021</a:t>
+            </a:fld>
+            <a:endParaRPr lang="en-US"/>
+          </a:p>
+        </p:txBody>
+      </p:sp>
+      <p:sp>
+        <p:nvSpPr>
+          <p:cNvPr id="4" name="Footer Placeholder 3">
+            <a:extLst>
+              <a:ext uri="{FF2B5EF4-FFF2-40B4-BE49-F238E27FC236}">
+                <a16:creationId xmlns:a16="http://schemas.microsoft.com/office/drawing/2014/main" id="{C940E94C-5938-4860-AB81-CF0B9052629C}"/>
+              </a:ext>
+            </a:extLst>
+          </p:cNvPr>
+          <p:cNvSpPr>
+            <a:spLocks noGrp="1"/>
+          </p:cNvSpPr>
+          <p:nvPr>
+            <p:ph type="ftr" sz="quarter" idx="2"/>
+          </p:nvPr>
+        </p:nvSpPr>
+        <p:spPr>
+          <a:xfrm>
+            <a:off x="0" y="8685213"/>
+            <a:ext cx="2971800" cy="458787"/>
+          </a:xfrm>
+          <a:prstGeom prst="rect">
+            <a:avLst/>
+          </a:prstGeom>
+        </p:spPr>
+        <p:txBody>
+          <a:bodyPr vert="horz" lIns="91440" tIns="45720" rIns="91440" bIns="45720" rtlCol="0" anchor="b"/>
+          <a:lstStyle>
+            <a:lvl1pPr algn="l">
+              <a:defRPr sz="1200"/>
+            </a:lvl1pPr>
+          </a:lstStyle>
+          <a:p>
+            <a:endParaRPr lang="en-US"/>
+          </a:p>
+        </p:txBody>
+      </p:sp>
+      <p:sp>
+        <p:nvSpPr>
+          <p:cNvPr id="5" name="Slide Number Placeholder 4">
+            <a:extLst>
+              <a:ext uri="{FF2B5EF4-FFF2-40B4-BE49-F238E27FC236}">
+                <a16:creationId xmlns:a16="http://schemas.microsoft.com/office/drawing/2014/main" id="{CBA8E6DA-A2BE-4BE3-AFCE-1180DFB7F4F4}"/>
+              </a:ext>
+            </a:extLst>
+          </p:cNvPr>
+          <p:cNvSpPr>
+            <a:spLocks noGrp="1"/>
+          </p:cNvSpPr>
+          <p:nvPr>
+            <p:ph type="sldNum" sz="quarter" idx="3"/>
+          </p:nvPr>
+        </p:nvSpPr>
+        <p:spPr>
+          <a:xfrm>
+            <a:off x="3884613" y="8685213"/>
+            <a:ext cx="2971800" cy="458787"/>
+          </a:xfrm>
+          <a:prstGeom prst="rect">
+            <a:avLst/>
+          </a:prstGeom>
+        </p:spPr>
+        <p:txBody>
+          <a:bodyPr vert="horz" lIns="91440" tIns="45720" rIns="91440" bIns="45720" rtlCol="0" anchor="b"/>
+          <a:lstStyle>
+            <a:lvl1pPr algn="r">
+              <a:defRPr sz="1200"/>
+            </a:lvl1pPr>
+          </a:lstStyle>
+          <a:p>
+            <a:fld id="{6781EE1D-6F98-42D8-9367-A276902BC2F8}" type="slidenum">
+              <a:rPr lang="en-US" smtClean="0"/>
+              <a:t>‹#›</a:t>
+            </a:fld>
+            <a:endParaRPr lang="en-US"/>
+          </a:p>
+        </p:txBody>
+      </p:sp>
+    </p:spTree>
+    <p:extLst>
+      <p:ext uri="{BB962C8B-B14F-4D97-AF65-F5344CB8AC3E}">
+        <p14:creationId xmlns:p14="http://schemas.microsoft.com/office/powerpoint/2010/main" val="4007017126"/>
+      </p:ext>
+    </p:extLst>
+  </p:cSld>
+  <p:clrMap bg1="lt1" tx1="dk1" bg2="lt2" tx2="dk2" accent1="accent1" accent2="accent2" accent3="accent3" accent4="accent4" accent5="accent5" accent6="accent6" hlink="hlink" folHlink="folHlink"/>
+</p:handoutMaster>
+</file>
+
 <file path=ppt/notesMasters/notesMaster1.xml><?xml version="1.0" encoding="utf-8"?>
 <p:notesMaster xmlns:a="http://schemas.openxmlformats.org/drawingml/2006/main" xmlns:r="http://schemas.openxmlformats.org/officeDocument/2006/relationships" xmlns:p="http://schemas.openxmlformats.org/presentationml/2006/main">
   <p:cSld>
@@ -2721,9 +2913,12 @@
 <p:sldMaster xmlns:a="http://schemas.openxmlformats.org/drawingml/2006/main" xmlns:r="http://schemas.openxmlformats.org/officeDocument/2006/relationships" xmlns:p="http://schemas.openxmlformats.org/presentationml/2006/main">
   <p:cSld>
     <p:bg>
-      <p:bgRef idx="1001">
-        <a:schemeClr val="bg1"/>
-      </p:bgRef>
+      <p:bgPr>
+        <a:solidFill>
+          <a:srgbClr val="F0F0F0"/>
+        </a:solidFill>
+        <a:effectLst/>
+      </p:bgPr>
     </p:bg>
     <p:spTree>
       <p:nvGrpSpPr>
@@ -3060,7 +3255,18 @@
           <p:nvPr userDrawn="1"/>
         </p:nvPicPr>
         <p:blipFill rotWithShape="1">
-          <a:blip r:embed="rId11" cstate="print"/>
+          <a:blip r:embed="rId11" cstate="print">
+            <a:clrChange>
+              <a:clrFrom>
+                <a:srgbClr val="FFFFFF"/>
+              </a:clrFrom>
+              <a:clrTo>
+                <a:srgbClr val="FFFFFF">
+                  <a:alpha val="0"/>
+                </a:srgbClr>
+              </a:clrTo>
+            </a:clrChange>
+          </a:blip>
           <a:srcRect l="7072" t="9066" r="7070" b="9337"/>
           <a:stretch/>
         </p:blipFill>
@@ -4004,4 +4210,299 @@
     </a:ext>
   </a:extLst>
 </a:theme>
+</file>
+
+<file path=ppt/theme/theme3.xml><?xml version="1.0" encoding="utf-8"?>
+<a:theme xmlns:a="http://schemas.openxmlformats.org/drawingml/2006/main" name="Office Theme">
+  <a:themeElements>
+    <a:clrScheme name="Office">
+      <a:dk1>
+        <a:sysClr val="windowText" lastClr="000000"/>
+      </a:dk1>
+      <a:lt1>
+        <a:sysClr val="window" lastClr="FFFFFF"/>
+      </a:lt1>
+      <a:dk2>
+        <a:srgbClr val="44546A"/>
+      </a:dk2>
+      <a:lt2>
+        <a:srgbClr val="E7E6E6"/>
+      </a:lt2>
+      <a:accent1>
+        <a:srgbClr val="4472C4"/>
+      </a:accent1>
+      <a:accent2>
+        <a:srgbClr val="ED7D31"/>
+      </a:accent2>
+      <a:accent3>
+        <a:srgbClr val="A5A5A5"/>
+      </a:accent3>
+      <a:accent4>
+        <a:srgbClr val="FFC000"/>
+      </a:accent4>
+      <a:accent5>
+        <a:srgbClr val="5B9BD5"/>
+      </a:accent5>
+      <a:accent6>
+        <a:srgbClr val="70AD47"/>
+      </a:accent6>
+      <a:hlink>
+        <a:srgbClr val="0563C1"/>
+      </a:hlink>
+      <a:folHlink>
+        <a:srgbClr val="954F72"/>
+      </a:folHlink>
+    </a:clrScheme>
+    <a:fontScheme name="Office">
+      <a:majorFont>
+        <a:latin typeface="Calibri Light" panose="020F0302020204030204"/>
+        <a:ea typeface=""/>
+        <a:cs typeface=""/>
+        <a:font script="Jpan" typeface="游ゴシック Light"/>
+        <a:font script="Hang" typeface="맑은 고딕"/>
+        <a:font script="Hans" typeface="等线 Light"/>
+        <a:font script="Hant" typeface="新細明體"/>
+        <a:font script="Arab" typeface="Times New Roman"/>
+        <a:font script="Hebr" typeface="Times New Roman"/>
+        <a:font script="Thai" typeface="Angsana New"/>
+        <a:font script="Ethi" typeface="Nyala"/>
+        <a:font script="Beng" typeface="Vrinda"/>
+        <a:font script="Gujr" typeface="Shruti"/>
+        <a:font script="Khmr" typeface="MoolBoran"/>
+        <a:font script="Knda" typeface="Tunga"/>
+        <a:font script="Guru" typeface="Raavi"/>
+        <a:font script="Cans" typeface="Euphemia"/>
+        <a:font script="Cher" typeface="Plantagenet Cherokee"/>
+        <a:font script="Yiii" typeface="Microsoft Yi Baiti"/>
+        <a:font script="Tibt" typeface="Microsoft Himalaya"/>
+        <a:font script="Thaa" typeface="MV Boli"/>
+        <a:font script="Deva" typeface="Mangal"/>
+        <a:font script="Telu" typeface="Gautami"/>
+        <a:font script="Taml" typeface="Latha"/>
+        <a:font script="Syrc" typeface="Estrangelo Edessa"/>
+        <a:font script="Orya" typeface="Kalinga"/>
+        <a:font script="Mlym" typeface="Kartika"/>
+        <a:font script="Laoo" typeface="DokChampa"/>
+        <a:font script="Sinh" typeface="Iskoola Pota"/>
+        <a:font script="Mong" typeface="Mongolian Baiti"/>
+        <a:font script="Viet" typeface="Times New Roman"/>
+        <a:font script="Uigh" typeface="Microsoft Uighur"/>
+        <a:font script="Geor" typeface="Sylfaen"/>
+        <a:font script="Armn" typeface="Arial"/>
+        <a:font script="Bugi" typeface="Leelawadee UI"/>
+        <a:font script="Bopo" typeface="Microsoft JhengHei"/>
+        <a:font script="Java" typeface="Javanese Text"/>
+        <a:font script="Lisu" typeface="Segoe UI"/>
+        <a:font script="Mymr" typeface="Myanmar Text"/>
+        <a:font script="Nkoo" typeface="Ebrima"/>
+        <a:font script="Olck" typeface="Nirmala UI"/>
+        <a:font script="Osma" typeface="Ebrima"/>
+        <a:font script="Phag" typeface="Phagspa"/>
+        <a:font script="Syrn" typeface="Estrangelo Edessa"/>
+        <a:font script="Syrj" typeface="Estrangelo Edessa"/>
+        <a:font script="Syre" typeface="Estrangelo Edessa"/>
+        <a:font script="Sora" typeface="Nirmala UI"/>
+        <a:font script="Tale" typeface="Microsoft Tai Le"/>
+        <a:font script="Talu" typeface="Microsoft New Tai Lue"/>
+        <a:font script="Tfng" typeface="Ebrima"/>
+      </a:majorFont>
+      <a:minorFont>
+        <a:latin typeface="Calibri" panose="020F0502020204030204"/>
+        <a:ea typeface=""/>
+        <a:cs typeface=""/>
+        <a:font script="Jpan" typeface="游ゴシック"/>
+        <a:font script="Hang" typeface="맑은 고딕"/>
+        <a:font script="Hans" typeface="等线"/>
+        <a:font script="Hant" typeface="新細明體"/>
+        <a:font script="Arab" typeface="Arial"/>
+        <a:font script="Hebr" typeface="Arial"/>
+        <a:font script="Thai" typeface="Cordia New"/>
+        <a:font script="Ethi" typeface="Nyala"/>
+        <a:font script="Beng" typeface="Vrinda"/>
+        <a:font script="Gujr" typeface="Shruti"/>
+        <a:font script="Khmr" typeface="DaunPenh"/>
+        <a:font script="Knda" typeface="Tunga"/>
+        <a:font script="Guru" typeface="Raavi"/>
+        <a:font script="Cans" typeface="Euphemia"/>
+        <a:font script="Cher" typeface="Plantagenet Cherokee"/>
+        <a:font script="Yiii" typeface="Microsoft Yi Baiti"/>
+        <a:font script="Tibt" typeface="Microsoft Himalaya"/>
+        <a:font script="Thaa" typeface="MV Boli"/>
+        <a:font script="Deva" typeface="Mangal"/>
+        <a:font script="Telu" typeface="Gautami"/>
+        <a:font script="Taml" typeface="Latha"/>
+        <a:font script="Syrc" typeface="Estrangelo Edessa"/>
+        <a:font script="Orya" typeface="Kalinga"/>
+        <a:font script="Mlym" typeface="Kartika"/>
+        <a:font script="Laoo" typeface="DokChampa"/>
+        <a:font script="Sinh" typeface="Iskoola Pota"/>
+        <a:font script="Mong" typeface="Mongolian Baiti"/>
+        <a:font script="Viet" typeface="Arial"/>
+        <a:font script="Uigh" typeface="Microsoft Uighur"/>
+        <a:font script="Geor" typeface="Sylfaen"/>
+        <a:font script="Armn" typeface="Arial"/>
+        <a:font script="Bugi" typeface="Leelawadee UI"/>
+        <a:font script="Bopo" typeface="Microsoft JhengHei"/>
+        <a:font script="Java" typeface="Javanese Text"/>
+        <a:font script="Lisu" typeface="Segoe UI"/>
+        <a:font script="Mymr" typeface="Myanmar Text"/>
+        <a:font script="Nkoo" typeface="Ebrima"/>
+        <a:font script="Olck" typeface="Nirmala UI"/>
+        <a:font script="Osma" typeface="Ebrima"/>
+        <a:font script="Phag" typeface="Phagspa"/>
+        <a:font script="Syrn" typeface="Estrangelo Edessa"/>
+        <a:font script="Syrj" typeface="Estrangelo Edessa"/>
+        <a:font script="Syre" typeface="Estrangelo Edessa"/>
+        <a:font script="Sora" typeface="Nirmala UI"/>
+        <a:font script="Tale" typeface="Microsoft Tai Le"/>
+        <a:font script="Talu" typeface="Microsoft New Tai Lue"/>
+        <a:font script="Tfng" typeface="Ebrima"/>
+      </a:minorFont>
+    </a:fontScheme>
+    <a:fmtScheme name="Office">
+      <a:fillStyleLst>
+        <a:solidFill>
+          <a:schemeClr val="phClr"/>
+        </a:solidFill>
+        <a:gradFill rotWithShape="1">
+          <a:gsLst>
+            <a:gs pos="0">
+              <a:schemeClr val="phClr">
+                <a:lumMod val="110000"/>
+                <a:satMod val="105000"/>
+                <a:tint val="67000"/>
+              </a:schemeClr>
+            </a:gs>
+            <a:gs pos="50000">
+              <a:schemeClr val="phClr">
+                <a:lumMod val="105000"/>
+                <a:satMod val="103000"/>
+                <a:tint val="73000"/>
+              </a:schemeClr>
+            </a:gs>
+            <a:gs pos="100000">
+              <a:schemeClr val="phClr">
+                <a:lumMod val="105000"/>
+                <a:satMod val="109000"/>
+                <a:tint val="81000"/>
+              </a:schemeClr>
+            </a:gs>
+          </a:gsLst>
+          <a:lin ang="5400000" scaled="0"/>
+        </a:gradFill>
+        <a:gradFill rotWithShape="1">
+          <a:gsLst>
+            <a:gs pos="0">
+              <a:schemeClr val="phClr">
+                <a:satMod val="103000"/>
+                <a:lumMod val="102000"/>
+                <a:tint val="94000"/>
+              </a:schemeClr>
+            </a:gs>
+            <a:gs pos="50000">
+              <a:schemeClr val="phClr">
+                <a:satMod val="110000"/>
+                <a:lumMod val="100000"/>
+                <a:shade val="100000"/>
+              </a:schemeClr>
+            </a:gs>
+            <a:gs pos="100000">
+              <a:schemeClr val="phClr">
+                <a:lumMod val="99000"/>
+                <a:satMod val="120000"/>
+                <a:shade val="78000"/>
+              </a:schemeClr>
+            </a:gs>
+          </a:gsLst>
+          <a:lin ang="5400000" scaled="0"/>
+        </a:gradFill>
+      </a:fillStyleLst>
+      <a:lnStyleLst>
+        <a:ln w="6350" cap="flat" cmpd="sng" algn="ctr">
+          <a:solidFill>
+            <a:schemeClr val="phClr"/>
+          </a:solidFill>
+          <a:prstDash val="solid"/>
+          <a:miter lim="800000"/>
+        </a:ln>
+        <a:ln w="12700" cap="flat" cmpd="sng" algn="ctr">
+          <a:solidFill>
+            <a:schemeClr val="phClr"/>
+          </a:solidFill>
+          <a:prstDash val="solid"/>
+          <a:miter lim="800000"/>
+        </a:ln>
+        <a:ln w="19050" cap="flat" cmpd="sng" algn="ctr">
+          <a:solidFill>
+            <a:schemeClr val="phClr"/>
+          </a:solidFill>
+          <a:prstDash val="solid"/>
+          <a:miter lim="800000"/>
+        </a:ln>
+      </a:lnStyleLst>
+      <a:effectStyleLst>
+        <a:effectStyle>
+          <a:effectLst/>
+        </a:effectStyle>
+        <a:effectStyle>
+          <a:effectLst/>
+        </a:effectStyle>
+        <a:effectStyle>
+          <a:effectLst>
+            <a:outerShdw blurRad="57150" dist="19050" dir="5400000" algn="ctr" rotWithShape="0">
+              <a:srgbClr val="000000">
+                <a:alpha val="63000"/>
+              </a:srgbClr>
+            </a:outerShdw>
+          </a:effectLst>
+        </a:effectStyle>
+      </a:effectStyleLst>
+      <a:bgFillStyleLst>
+        <a:solidFill>
+          <a:schemeClr val="phClr"/>
+        </a:solidFill>
+        <a:solidFill>
+          <a:schemeClr val="phClr">
+            <a:tint val="95000"/>
+            <a:satMod val="170000"/>
+          </a:schemeClr>
+        </a:solidFill>
+        <a:gradFill rotWithShape="1">
+          <a:gsLst>
+            <a:gs pos="0">
+              <a:schemeClr val="phClr">
+                <a:tint val="93000"/>
+                <a:satMod val="150000"/>
+                <a:shade val="98000"/>
+                <a:lumMod val="102000"/>
+              </a:schemeClr>
+            </a:gs>
+            <a:gs pos="50000">
+              <a:schemeClr val="phClr">
+                <a:tint val="98000"/>
+                <a:satMod val="130000"/>
+                <a:shade val="90000"/>
+                <a:lumMod val="103000"/>
+              </a:schemeClr>
+            </a:gs>
+            <a:gs pos="100000">
+              <a:schemeClr val="phClr">
+                <a:shade val="63000"/>
+                <a:satMod val="120000"/>
+              </a:schemeClr>
+            </a:gs>
+          </a:gsLst>
+          <a:lin ang="5400000" scaled="0"/>
+        </a:gradFill>
+      </a:bgFillStyleLst>
+    </a:fmtScheme>
+  </a:themeElements>
+  <a:objectDefaults/>
+  <a:extraClrSchemeLst/>
+  <a:extLst>
+    <a:ext uri="{05A4C25C-085E-4340-85A3-A5531E510DB2}">
+      <thm15:themeFamily xmlns:thm15="http://schemas.microsoft.com/office/thememl/2012/main" name="Office Theme" id="{62F939B6-93AF-4DB8-9C6B-D6C7DFDC589F}" vid="{4A3C46E8-61CC-4603-A589-7422A47A8E4A}"/>
+    </a:ext>
+  </a:extLst>
+</a:theme>
 </file>
--- a/dev/covid_report_template.pptx
+++ b/dev/covid_report_template.pptx
@@ -152,6 +152,9 @@
         </p15:guide>
       </p15:sldGuideLst>
     </p:ext>
+    <p:ext uri="{2D200454-40CA-4A62-9FC3-DE9A4176ACB9}">
+      <p15:notesGuideLst xmlns:p15="http://schemas.microsoft.com/office/powerpoint/2012/main"/>
+    </p:ext>
   </p:extLst>
 </p:presentation>
 </file>
@@ -1094,35 +1097,35 @@
         <p:txBody>
           <a:bodyPr/>
           <a:lstStyle>
-            <a:lvl1pPr>
+            <a:lvl1pPr algn="ctr">
               <a:defRPr>
                 <a:effectLst/>
                 <a:latin typeface="Arial" panose="020B0604020202020204" pitchFamily="34" charset="0"/>
                 <a:cs typeface="Arial" panose="020B0604020202020204" pitchFamily="34" charset="0"/>
               </a:defRPr>
             </a:lvl1pPr>
-            <a:lvl2pPr>
+            <a:lvl2pPr algn="ctr">
               <a:defRPr>
                 <a:effectLst/>
                 <a:latin typeface="Arial" panose="020B0604020202020204" pitchFamily="34" charset="0"/>
                 <a:cs typeface="Arial" panose="020B0604020202020204" pitchFamily="34" charset="0"/>
               </a:defRPr>
             </a:lvl2pPr>
-            <a:lvl3pPr>
+            <a:lvl3pPr algn="ctr">
               <a:defRPr>
                 <a:effectLst/>
                 <a:latin typeface="Arial" panose="020B0604020202020204" pitchFamily="34" charset="0"/>
                 <a:cs typeface="Arial" panose="020B0604020202020204" pitchFamily="34" charset="0"/>
               </a:defRPr>
             </a:lvl3pPr>
-            <a:lvl4pPr>
+            <a:lvl4pPr algn="ctr">
               <a:defRPr>
                 <a:effectLst/>
                 <a:latin typeface="Arial" panose="020B0604020202020204" pitchFamily="34" charset="0"/>
                 <a:cs typeface="Arial" panose="020B0604020202020204" pitchFamily="34" charset="0"/>
               </a:defRPr>
             </a:lvl4pPr>
-            <a:lvl5pPr>
+            <a:lvl5pPr algn="ctr">
               <a:defRPr>
                 <a:effectLst/>
                 <a:latin typeface="Arial" panose="020B0604020202020204" pitchFamily="34" charset="0"/>
@@ -1133,38 +1136,37 @@
           <a:p>
             <a:pPr lvl="0"/>
             <a:r>
-              <a:rPr lang="en-US"/>
+              <a:rPr lang="en-US" dirty="0"/>
               <a:t>Edit Master text styles</a:t>
             </a:r>
           </a:p>
           <a:p>
             <a:pPr lvl="1"/>
             <a:r>
-              <a:rPr lang="en-US"/>
+              <a:rPr lang="en-US" dirty="0"/>
               <a:t>Second level</a:t>
             </a:r>
           </a:p>
           <a:p>
             <a:pPr lvl="2"/>
             <a:r>
-              <a:rPr lang="en-US"/>
+              <a:rPr lang="en-US" dirty="0"/>
               <a:t>Third level</a:t>
             </a:r>
           </a:p>
           <a:p>
             <a:pPr lvl="3"/>
             <a:r>
-              <a:rPr lang="en-US"/>
+              <a:rPr lang="en-US" dirty="0"/>
               <a:t>Fourth level</a:t>
             </a:r>
           </a:p>
           <a:p>
             <a:pPr lvl="4"/>
             <a:r>
-              <a:rPr lang="en-US"/>
+              <a:rPr lang="en-US" dirty="0"/>
               <a:t>Fifth level</a:t>
             </a:r>
-            <a:endParaRPr lang="en-US" dirty="0"/>
           </a:p>
         </p:txBody>
       </p:sp>
@@ -2876,8 +2878,8 @@
         </p:nvSpPr>
         <p:spPr>
           <a:xfrm>
-            <a:off x="0" y="0"/>
-            <a:ext cx="12192000" cy="6019800"/>
+            <a:off x="746760" y="0"/>
+            <a:ext cx="10698480" cy="6019800"/>
           </a:xfrm>
         </p:spPr>
         <p:txBody>
@@ -3442,7 +3444,7 @@
       </a:lvl9pPr>
     </p:titleStyle>
     <p:bodyStyle>
-      <a:lvl1pPr marL="342900" indent="-342900" algn="l" rtl="0" eaLnBrk="1" fontAlgn="base" hangingPunct="1">
+      <a:lvl1pPr marL="342900" indent="-342900" algn="just" rtl="0" eaLnBrk="1" fontAlgn="base" hangingPunct="1">
         <a:spcBef>
           <a:spcPct val="20000"/>
         </a:spcBef>
@@ -3460,7 +3462,7 @@
           <a:cs typeface="Arial" panose="020B0604020202020204" pitchFamily="34" charset="0"/>
         </a:defRPr>
       </a:lvl1pPr>
-      <a:lvl2pPr marL="742950" indent="-285750" algn="l" rtl="0" eaLnBrk="1" fontAlgn="base" hangingPunct="1">
+      <a:lvl2pPr marL="742950" indent="-285750" algn="just" rtl="0" eaLnBrk="1" fontAlgn="base" hangingPunct="1">
         <a:spcBef>
           <a:spcPct val="20000"/>
         </a:spcBef>
@@ -3478,7 +3480,7 @@
           <a:cs typeface="Arial" panose="020B0604020202020204" pitchFamily="34" charset="0"/>
         </a:defRPr>
       </a:lvl2pPr>
-      <a:lvl3pPr marL="1143000" indent="-228600" algn="l" rtl="0" eaLnBrk="1" fontAlgn="base" hangingPunct="1">
+      <a:lvl3pPr marL="1143000" indent="-228600" algn="just" rtl="0" eaLnBrk="1" fontAlgn="base" hangingPunct="1">
         <a:spcBef>
           <a:spcPct val="20000"/>
         </a:spcBef>
@@ -3496,7 +3498,7 @@
           <a:cs typeface="Arial" panose="020B0604020202020204" pitchFamily="34" charset="0"/>
         </a:defRPr>
       </a:lvl3pPr>
-      <a:lvl4pPr marL="1600200" indent="-228600" algn="l" rtl="0" eaLnBrk="1" fontAlgn="base" hangingPunct="1">
+      <a:lvl4pPr marL="1600200" indent="-228600" algn="just" rtl="0" eaLnBrk="1" fontAlgn="base" hangingPunct="1">
         <a:spcBef>
           <a:spcPct val="20000"/>
         </a:spcBef>
@@ -3514,7 +3516,7 @@
           <a:cs typeface="Arial" panose="020B0604020202020204" pitchFamily="34" charset="0"/>
         </a:defRPr>
       </a:lvl4pPr>
-      <a:lvl5pPr marL="2057400" indent="-228600" algn="l" rtl="0" eaLnBrk="1" fontAlgn="base" hangingPunct="1">
+      <a:lvl5pPr marL="2057400" indent="-228600" algn="just" rtl="0" eaLnBrk="1" fontAlgn="base" hangingPunct="1">
         <a:spcBef>
           <a:spcPct val="20000"/>
         </a:spcBef>

--- a/dev/covid_report_template.pptx
+++ b/dev/covid_report_template.pptx
@@ -1,6 +1,6 @@
 
 <file path=ppt/presentation.xml><?xml version="1.0" encoding="utf-8"?>
-<p:presentation xmlns:a="http://schemas.openxmlformats.org/drawingml/2006/main" xmlns:r="http://schemas.openxmlformats.org/officeDocument/2006/relationships" xmlns:p="http://schemas.openxmlformats.org/presentationml/2006/main" saveSubsetFonts="1">
+<p:presentation xmlns:a="http://schemas.openxmlformats.org/drawingml/2006/main" xmlns:r="http://schemas.openxmlformats.org/officeDocument/2006/relationships" xmlns:p="http://schemas.openxmlformats.org/presentationml/2006/main" showSpecialPlsOnTitleSld="0" saveSubsetFonts="1">
   <p:sldMasterIdLst>
     <p:sldMasterId id="2147483648" r:id="rId1"/>
   </p:sldMasterIdLst>
@@ -253,7 +253,7 @@
           <a:p>
             <a:fld id="{12BC3984-E246-47BC-8B53-DDB270F22CB5}" type="datetimeFigureOut">
               <a:rPr lang="en-US" smtClean="0"/>
-              <a:t>5/13/2021</a:t>
+              <a:t>5/14/2021</a:t>
             </a:fld>
             <a:endParaRPr lang="en-US"/>
           </a:p>
@@ -430,7 +430,7 @@
           <a:p>
             <a:fld id="{1E6448DA-3286-4B5D-9EEA-ED90D8D5729E}" type="datetimeFigureOut">
               <a:rPr lang="en-US" smtClean="0"/>
-              <a:t>5/13/2021</a:t>
+              <a:t>5/14/2021</a:t>
             </a:fld>
             <a:endParaRPr lang="en-US"/>
           </a:p>
@@ -957,12 +957,9 @@
             <a:pPr>
               <a:defRPr/>
             </a:pPr>
-            <a:fld id="{FDF2841C-2450-4079-AB93-87E0F7117CE6}" type="datetimeFigureOut">
-              <a:rPr lang="en-US"/>
-              <a:pPr>
-                <a:defRPr/>
-              </a:pPr>
-              <a:t>5/13/2021</a:t>
+            <a:fld id="{EEE95C07-E651-48F3-A486-1526F8B635C6}" type="datetime1">
+              <a:rPr lang="en-US" smtClean="0"/>
+              <a:t>5/14/2021</a:t>
             </a:fld>
             <a:endParaRPr lang="en-US" dirty="0"/>
           </a:p>
@@ -1017,7 +1014,1389 @@
 </p:sldLayout>
 </file>
 
+<file path=ppt/slideLayouts/slideLayout10.xml><?xml version="1.0" encoding="utf-8"?>
+<p:sldLayout xmlns:a="http://schemas.openxmlformats.org/drawingml/2006/main" xmlns:r="http://schemas.openxmlformats.org/officeDocument/2006/relationships" xmlns:p="http://schemas.openxmlformats.org/presentationml/2006/main" type="objTx" preserve="1">
+  <p:cSld name="Content with Caption">
+    <p:spTree>
+      <p:nvGrpSpPr>
+        <p:cNvPr id="1" name=""/>
+        <p:cNvGrpSpPr/>
+        <p:nvPr/>
+      </p:nvGrpSpPr>
+      <p:grpSpPr>
+        <a:xfrm>
+          <a:off x="0" y="0"/>
+          <a:ext cx="0" cy="0"/>
+          <a:chOff x="0" y="0"/>
+          <a:chExt cx="0" cy="0"/>
+        </a:xfrm>
+      </p:grpSpPr>
+      <p:sp>
+        <p:nvSpPr>
+          <p:cNvPr id="2" name="Title 1"/>
+          <p:cNvSpPr>
+            <a:spLocks noGrp="1"/>
+          </p:cNvSpPr>
+          <p:nvPr>
+            <p:ph type="title"/>
+          </p:nvPr>
+        </p:nvSpPr>
+        <p:spPr>
+          <a:xfrm>
+            <a:off x="609603" y="273050"/>
+            <a:ext cx="4011084" cy="1162050"/>
+          </a:xfrm>
+        </p:spPr>
+        <p:txBody>
+          <a:bodyPr anchor="b"/>
+          <a:lstStyle>
+            <a:lvl1pPr algn="ctr" rtl="0" eaLnBrk="0" fontAlgn="base" hangingPunct="0">
+              <a:spcBef>
+                <a:spcPct val="0"/>
+              </a:spcBef>
+              <a:spcAft>
+                <a:spcPct val="0"/>
+              </a:spcAft>
+              <a:defRPr lang="en-US" sz="2200" b="1" kern="1200" spc="-150" dirty="0">
+                <a:ln w="3175">
+                  <a:noFill/>
+                </a:ln>
+                <a:solidFill>
+                  <a:srgbClr val="4D4D4D"/>
+                </a:solidFill>
+                <a:effectLst/>
+                <a:latin typeface="Arial" panose="020B0604020202020204" pitchFamily="34" charset="0"/>
+                <a:ea typeface="Tahoma" panose="020B0604030504040204" pitchFamily="34" charset="0"/>
+                <a:cs typeface="Arial" panose="020B0604020202020204" pitchFamily="34" charset="0"/>
+              </a:defRPr>
+            </a:lvl1pPr>
+          </a:lstStyle>
+          <a:p>
+            <a:r>
+              <a:rPr lang="en-US"/>
+              <a:t>Click to edit Master title style</a:t>
+            </a:r>
+            <a:endParaRPr lang="en-US" dirty="0"/>
+          </a:p>
+        </p:txBody>
+      </p:sp>
+      <p:sp>
+        <p:nvSpPr>
+          <p:cNvPr id="3" name="Content Placeholder 2"/>
+          <p:cNvSpPr>
+            <a:spLocks noGrp="1"/>
+          </p:cNvSpPr>
+          <p:nvPr>
+            <p:ph idx="1"/>
+          </p:nvPr>
+        </p:nvSpPr>
+        <p:spPr>
+          <a:xfrm>
+            <a:off x="4766733" y="273055"/>
+            <a:ext cx="6815667" cy="5746745"/>
+          </a:xfrm>
+        </p:spPr>
+        <p:txBody>
+          <a:bodyPr/>
+          <a:lstStyle>
+            <a:lvl1pPr>
+              <a:defRPr sz="3200">
+                <a:solidFill>
+                  <a:srgbClr val="4D4D4D"/>
+                </a:solidFill>
+                <a:latin typeface="Arial" panose="020B0604020202020204" pitchFamily="34" charset="0"/>
+                <a:cs typeface="Arial" panose="020B0604020202020204" pitchFamily="34" charset="0"/>
+              </a:defRPr>
+            </a:lvl1pPr>
+            <a:lvl2pPr>
+              <a:defRPr sz="2800">
+                <a:solidFill>
+                  <a:srgbClr val="4D4D4D"/>
+                </a:solidFill>
+                <a:latin typeface="Arial" panose="020B0604020202020204" pitchFamily="34" charset="0"/>
+                <a:cs typeface="Arial" panose="020B0604020202020204" pitchFamily="34" charset="0"/>
+              </a:defRPr>
+            </a:lvl2pPr>
+            <a:lvl3pPr>
+              <a:defRPr sz="2400">
+                <a:solidFill>
+                  <a:srgbClr val="4D4D4D"/>
+                </a:solidFill>
+                <a:latin typeface="Arial" panose="020B0604020202020204" pitchFamily="34" charset="0"/>
+                <a:cs typeface="Arial" panose="020B0604020202020204" pitchFamily="34" charset="0"/>
+              </a:defRPr>
+            </a:lvl3pPr>
+            <a:lvl4pPr>
+              <a:defRPr sz="2000">
+                <a:solidFill>
+                  <a:srgbClr val="4D4D4D"/>
+                </a:solidFill>
+                <a:latin typeface="Arial" panose="020B0604020202020204" pitchFamily="34" charset="0"/>
+                <a:cs typeface="Arial" panose="020B0604020202020204" pitchFamily="34" charset="0"/>
+              </a:defRPr>
+            </a:lvl4pPr>
+            <a:lvl5pPr>
+              <a:defRPr sz="2000">
+                <a:solidFill>
+                  <a:srgbClr val="4D4D4D"/>
+                </a:solidFill>
+                <a:latin typeface="Arial" panose="020B0604020202020204" pitchFamily="34" charset="0"/>
+                <a:cs typeface="Arial" panose="020B0604020202020204" pitchFamily="34" charset="0"/>
+              </a:defRPr>
+            </a:lvl5pPr>
+            <a:lvl6pPr>
+              <a:defRPr sz="2000"/>
+            </a:lvl6pPr>
+            <a:lvl7pPr>
+              <a:defRPr sz="2000"/>
+            </a:lvl7pPr>
+            <a:lvl8pPr>
+              <a:defRPr sz="2000"/>
+            </a:lvl8pPr>
+            <a:lvl9pPr>
+              <a:defRPr sz="2000"/>
+            </a:lvl9pPr>
+          </a:lstStyle>
+          <a:p>
+            <a:pPr lvl="0"/>
+            <a:r>
+              <a:rPr lang="en-US"/>
+              <a:t>Edit Master text styles</a:t>
+            </a:r>
+          </a:p>
+          <a:p>
+            <a:pPr lvl="1"/>
+            <a:r>
+              <a:rPr lang="en-US"/>
+              <a:t>Second level</a:t>
+            </a:r>
+          </a:p>
+          <a:p>
+            <a:pPr lvl="2"/>
+            <a:r>
+              <a:rPr lang="en-US"/>
+              <a:t>Third level</a:t>
+            </a:r>
+          </a:p>
+          <a:p>
+            <a:pPr lvl="3"/>
+            <a:r>
+              <a:rPr lang="en-US"/>
+              <a:t>Fourth level</a:t>
+            </a:r>
+          </a:p>
+          <a:p>
+            <a:pPr lvl="4"/>
+            <a:r>
+              <a:rPr lang="en-US"/>
+              <a:t>Fifth level</a:t>
+            </a:r>
+            <a:endParaRPr lang="en-US" dirty="0"/>
+          </a:p>
+        </p:txBody>
+      </p:sp>
+      <p:sp>
+        <p:nvSpPr>
+          <p:cNvPr id="4" name="Text Placeholder 3"/>
+          <p:cNvSpPr>
+            <a:spLocks noGrp="1"/>
+          </p:cNvSpPr>
+          <p:nvPr>
+            <p:ph type="body" sz="half" idx="2"/>
+          </p:nvPr>
+        </p:nvSpPr>
+        <p:spPr>
+          <a:xfrm>
+            <a:off x="609603" y="1435103"/>
+            <a:ext cx="4011084" cy="4584697"/>
+          </a:xfrm>
+        </p:spPr>
+        <p:txBody>
+          <a:bodyPr/>
+          <a:lstStyle>
+            <a:lvl1pPr marL="0" indent="0">
+              <a:buNone/>
+              <a:defRPr sz="1400">
+                <a:solidFill>
+                  <a:srgbClr val="4D4D4D"/>
+                </a:solidFill>
+                <a:latin typeface="Arial" panose="020B0604020202020204" pitchFamily="34" charset="0"/>
+                <a:cs typeface="Arial" panose="020B0604020202020204" pitchFamily="34" charset="0"/>
+              </a:defRPr>
+            </a:lvl1pPr>
+            <a:lvl2pPr marL="457200" indent="0">
+              <a:buNone/>
+              <a:defRPr sz="1200"/>
+            </a:lvl2pPr>
+            <a:lvl3pPr marL="914400" indent="0">
+              <a:buNone/>
+              <a:defRPr sz="1000"/>
+            </a:lvl3pPr>
+            <a:lvl4pPr marL="1371600" indent="0">
+              <a:buNone/>
+              <a:defRPr sz="900"/>
+            </a:lvl4pPr>
+            <a:lvl5pPr marL="1828800" indent="0">
+              <a:buNone/>
+              <a:defRPr sz="900"/>
+            </a:lvl5pPr>
+            <a:lvl6pPr marL="2286000" indent="0">
+              <a:buNone/>
+              <a:defRPr sz="900"/>
+            </a:lvl6pPr>
+            <a:lvl7pPr marL="2743200" indent="0">
+              <a:buNone/>
+              <a:defRPr sz="900"/>
+            </a:lvl7pPr>
+            <a:lvl8pPr marL="3200400" indent="0">
+              <a:buNone/>
+              <a:defRPr sz="900"/>
+            </a:lvl8pPr>
+            <a:lvl9pPr marL="3657600" indent="0">
+              <a:buNone/>
+              <a:defRPr sz="900"/>
+            </a:lvl9pPr>
+          </a:lstStyle>
+          <a:p>
+            <a:pPr lvl="0"/>
+            <a:r>
+              <a:rPr lang="en-US"/>
+              <a:t>Edit Master text styles</a:t>
+            </a:r>
+          </a:p>
+        </p:txBody>
+      </p:sp>
+      <p:sp>
+        <p:nvSpPr>
+          <p:cNvPr id="5" name="Date Placeholder 4"/>
+          <p:cNvSpPr>
+            <a:spLocks noGrp="1"/>
+          </p:cNvSpPr>
+          <p:nvPr>
+            <p:ph type="dt" sz="half" idx="10"/>
+          </p:nvPr>
+        </p:nvSpPr>
+        <p:spPr/>
+        <p:txBody>
+          <a:bodyPr/>
+          <a:lstStyle>
+            <a:lvl1pPr>
+              <a:defRPr smtClean="0">
+                <a:latin typeface="Calibri" panose="020F0502020204030204" pitchFamily="34" charset="0"/>
+                <a:cs typeface="Calibri" panose="020F0502020204030204" pitchFamily="34" charset="0"/>
+              </a:defRPr>
+            </a:lvl1pPr>
+          </a:lstStyle>
+          <a:p>
+            <a:pPr>
+              <a:defRPr/>
+            </a:pPr>
+            <a:fld id="{915EC66F-E0CA-4E91-900E-592EC64F804E}" type="datetime1">
+              <a:rPr lang="en-US" smtClean="0"/>
+              <a:t>5/14/2021</a:t>
+            </a:fld>
+            <a:endParaRPr lang="en-US" dirty="0"/>
+          </a:p>
+        </p:txBody>
+      </p:sp>
+      <p:sp>
+        <p:nvSpPr>
+          <p:cNvPr id="7" name="Slide Number Placeholder 6"/>
+          <p:cNvSpPr>
+            <a:spLocks noGrp="1"/>
+          </p:cNvSpPr>
+          <p:nvPr>
+            <p:ph type="sldNum" sz="quarter" idx="12"/>
+          </p:nvPr>
+        </p:nvSpPr>
+        <p:spPr/>
+        <p:txBody>
+          <a:bodyPr/>
+          <a:lstStyle>
+            <a:lvl1pPr>
+              <a:defRPr smtClean="0">
+                <a:latin typeface="Calibri" panose="020F0502020204030204" pitchFamily="34" charset="0"/>
+                <a:cs typeface="Calibri" panose="020F0502020204030204" pitchFamily="34" charset="0"/>
+              </a:defRPr>
+            </a:lvl1pPr>
+          </a:lstStyle>
+          <a:p>
+            <a:pPr>
+              <a:defRPr/>
+            </a:pPr>
+            <a:fld id="{69478CE7-86D0-46AB-9072-277B9FE79F44}" type="slidenum">
+              <a:rPr lang="en-US"/>
+              <a:pPr>
+                <a:defRPr/>
+              </a:pPr>
+              <a:t>‹#›</a:t>
+            </a:fld>
+            <a:endParaRPr lang="en-US" dirty="0"/>
+          </a:p>
+        </p:txBody>
+      </p:sp>
+    </p:spTree>
+    <p:extLst>
+      <p:ext uri="{BB962C8B-B14F-4D97-AF65-F5344CB8AC3E}">
+        <p14:creationId xmlns:p14="http://schemas.microsoft.com/office/powerpoint/2010/main" val="695978928"/>
+      </p:ext>
+    </p:extLst>
+  </p:cSld>
+  <p:clrMapOvr>
+    <a:masterClrMapping/>
+  </p:clrMapOvr>
+</p:sldLayout>
+</file>
+
+<file path=ppt/slideLayouts/slideLayout11.xml><?xml version="1.0" encoding="utf-8"?>
+<p:sldLayout xmlns:a="http://schemas.openxmlformats.org/drawingml/2006/main" xmlns:r="http://schemas.openxmlformats.org/officeDocument/2006/relationships" xmlns:p="http://schemas.openxmlformats.org/presentationml/2006/main" preserve="1" userDrawn="1">
+  <p:cSld name="Picture with Caption">
+    <p:spTree>
+      <p:nvGrpSpPr>
+        <p:cNvPr id="1" name=""/>
+        <p:cNvGrpSpPr/>
+        <p:nvPr/>
+      </p:nvGrpSpPr>
+      <p:grpSpPr>
+        <a:xfrm>
+          <a:off x="0" y="0"/>
+          <a:ext cx="0" cy="0"/>
+          <a:chOff x="0" y="0"/>
+          <a:chExt cx="0" cy="0"/>
+        </a:xfrm>
+      </p:grpSpPr>
+      <p:sp>
+        <p:nvSpPr>
+          <p:cNvPr id="2" name="Title 1"/>
+          <p:cNvSpPr>
+            <a:spLocks noGrp="1"/>
+          </p:cNvSpPr>
+          <p:nvPr>
+            <p:ph type="title"/>
+          </p:nvPr>
+        </p:nvSpPr>
+        <p:spPr>
+          <a:xfrm>
+            <a:off x="1982808" y="4885532"/>
+            <a:ext cx="8129015" cy="566738"/>
+          </a:xfrm>
+        </p:spPr>
+        <p:txBody>
+          <a:bodyPr anchor="b"/>
+          <a:lstStyle>
+            <a:lvl1pPr algn="l">
+              <a:defRPr sz="2000" b="1">
+                <a:solidFill>
+                  <a:srgbClr val="4D4D4D"/>
+                </a:solidFill>
+                <a:latin typeface="Arial" panose="020B0604020202020204" pitchFamily="34" charset="0"/>
+                <a:cs typeface="Arial" panose="020B0604020202020204" pitchFamily="34" charset="0"/>
+              </a:defRPr>
+            </a:lvl1pPr>
+          </a:lstStyle>
+          <a:p>
+            <a:r>
+              <a:rPr lang="en-US" dirty="0"/>
+              <a:t>Click to edit Master title style</a:t>
+            </a:r>
+          </a:p>
+        </p:txBody>
+      </p:sp>
+      <p:sp>
+        <p:nvSpPr>
+          <p:cNvPr id="3" name="Picture Placeholder 2"/>
+          <p:cNvSpPr>
+            <a:spLocks noGrp="1"/>
+          </p:cNvSpPr>
+          <p:nvPr>
+            <p:ph type="pic" idx="1"/>
+          </p:nvPr>
+        </p:nvSpPr>
+        <p:spPr>
+          <a:xfrm>
+            <a:off x="1982809" y="306605"/>
+            <a:ext cx="8129016" cy="4572000"/>
+          </a:xfrm>
+        </p:spPr>
+        <p:txBody>
+          <a:bodyPr rtlCol="0">
+            <a:normAutofit/>
+          </a:bodyPr>
+          <a:lstStyle>
+            <a:lvl1pPr marL="0" indent="0" algn="ctr" rtl="0" eaLnBrk="0" fontAlgn="base" hangingPunct="0">
+              <a:spcBef>
+                <a:spcPct val="0"/>
+              </a:spcBef>
+              <a:spcAft>
+                <a:spcPct val="0"/>
+              </a:spcAft>
+              <a:buNone/>
+              <a:defRPr lang="en-US" sz="4000" b="1" kern="1200" spc="-150" noProof="0" dirty="0">
+                <a:ln w="3175">
+                  <a:noFill/>
+                </a:ln>
+                <a:solidFill>
+                  <a:srgbClr val="4D4D4D"/>
+                </a:solidFill>
+                <a:effectLst/>
+                <a:latin typeface="Arial" panose="020B0604020202020204" pitchFamily="34" charset="0"/>
+                <a:ea typeface="Tahoma" panose="020B0604030504040204" pitchFamily="34" charset="0"/>
+                <a:cs typeface="Arial" panose="020B0604020202020204" pitchFamily="34" charset="0"/>
+              </a:defRPr>
+            </a:lvl1pPr>
+            <a:lvl2pPr marL="457200" indent="0">
+              <a:buNone/>
+              <a:defRPr sz="2800"/>
+            </a:lvl2pPr>
+            <a:lvl3pPr marL="914400" indent="0">
+              <a:buNone/>
+              <a:defRPr sz="2400"/>
+            </a:lvl3pPr>
+            <a:lvl4pPr marL="1371600" indent="0">
+              <a:buNone/>
+              <a:defRPr sz="2000"/>
+            </a:lvl4pPr>
+            <a:lvl5pPr marL="1828800" indent="0">
+              <a:buNone/>
+              <a:defRPr sz="2000"/>
+            </a:lvl5pPr>
+            <a:lvl6pPr marL="2286000" indent="0">
+              <a:buNone/>
+              <a:defRPr sz="2000"/>
+            </a:lvl6pPr>
+            <a:lvl7pPr marL="2743200" indent="0">
+              <a:buNone/>
+              <a:defRPr sz="2000"/>
+            </a:lvl7pPr>
+            <a:lvl8pPr marL="3200400" indent="0">
+              <a:buNone/>
+              <a:defRPr sz="2000"/>
+            </a:lvl8pPr>
+            <a:lvl9pPr marL="3657600" indent="0">
+              <a:buNone/>
+              <a:defRPr sz="2000"/>
+            </a:lvl9pPr>
+          </a:lstStyle>
+          <a:p>
+            <a:pPr lvl="0"/>
+            <a:r>
+              <a:rPr lang="en-US" noProof="0"/>
+              <a:t>Click icon to add picture</a:t>
+            </a:r>
+            <a:endParaRPr lang="en-US" noProof="0" dirty="0"/>
+          </a:p>
+        </p:txBody>
+      </p:sp>
+      <p:sp>
+        <p:nvSpPr>
+          <p:cNvPr id="4" name="Text Placeholder 3"/>
+          <p:cNvSpPr>
+            <a:spLocks noGrp="1"/>
+          </p:cNvSpPr>
+          <p:nvPr>
+            <p:ph type="body" sz="half" idx="2"/>
+          </p:nvPr>
+        </p:nvSpPr>
+        <p:spPr>
+          <a:xfrm>
+            <a:off x="1982808" y="5452270"/>
+            <a:ext cx="8129015" cy="566738"/>
+          </a:xfrm>
+        </p:spPr>
+        <p:txBody>
+          <a:bodyPr/>
+          <a:lstStyle>
+            <a:lvl1pPr marL="0" indent="0">
+              <a:buNone/>
+              <a:defRPr sz="1400">
+                <a:solidFill>
+                  <a:srgbClr val="999999"/>
+                </a:solidFill>
+                <a:latin typeface="Arial" panose="020B0604020202020204" pitchFamily="34" charset="0"/>
+                <a:cs typeface="Arial" panose="020B0604020202020204" pitchFamily="34" charset="0"/>
+              </a:defRPr>
+            </a:lvl1pPr>
+            <a:lvl2pPr marL="457200" indent="0">
+              <a:buNone/>
+              <a:defRPr sz="1200"/>
+            </a:lvl2pPr>
+            <a:lvl3pPr marL="914400" indent="0">
+              <a:buNone/>
+              <a:defRPr sz="1000"/>
+            </a:lvl3pPr>
+            <a:lvl4pPr marL="1371600" indent="0">
+              <a:buNone/>
+              <a:defRPr sz="900"/>
+            </a:lvl4pPr>
+            <a:lvl5pPr marL="1828800" indent="0">
+              <a:buNone/>
+              <a:defRPr sz="900"/>
+            </a:lvl5pPr>
+            <a:lvl6pPr marL="2286000" indent="0">
+              <a:buNone/>
+              <a:defRPr sz="900"/>
+            </a:lvl6pPr>
+            <a:lvl7pPr marL="2743200" indent="0">
+              <a:buNone/>
+              <a:defRPr sz="900"/>
+            </a:lvl7pPr>
+            <a:lvl8pPr marL="3200400" indent="0">
+              <a:buNone/>
+              <a:defRPr sz="900"/>
+            </a:lvl8pPr>
+            <a:lvl9pPr marL="3657600" indent="0">
+              <a:buNone/>
+              <a:defRPr sz="900"/>
+            </a:lvl9pPr>
+          </a:lstStyle>
+          <a:p>
+            <a:pPr lvl="0"/>
+            <a:r>
+              <a:rPr lang="en-US"/>
+              <a:t>Edit Master text styles</a:t>
+            </a:r>
+          </a:p>
+        </p:txBody>
+      </p:sp>
+      <p:sp>
+        <p:nvSpPr>
+          <p:cNvPr id="5" name="Date Placeholder 4"/>
+          <p:cNvSpPr>
+            <a:spLocks noGrp="1"/>
+          </p:cNvSpPr>
+          <p:nvPr>
+            <p:ph type="dt" sz="half" idx="10"/>
+          </p:nvPr>
+        </p:nvSpPr>
+        <p:spPr/>
+        <p:txBody>
+          <a:bodyPr/>
+          <a:lstStyle>
+            <a:lvl1pPr>
+              <a:defRPr smtClean="0">
+                <a:latin typeface="Calibri" panose="020F0502020204030204" pitchFamily="34" charset="0"/>
+                <a:cs typeface="Calibri" panose="020F0502020204030204" pitchFamily="34" charset="0"/>
+              </a:defRPr>
+            </a:lvl1pPr>
+          </a:lstStyle>
+          <a:p>
+            <a:pPr>
+              <a:defRPr/>
+            </a:pPr>
+            <a:fld id="{D6367E54-32B3-404A-883C-17D7D9258A59}" type="datetime1">
+              <a:rPr lang="en-US" smtClean="0"/>
+              <a:t>5/14/2021</a:t>
+            </a:fld>
+            <a:endParaRPr lang="en-US" dirty="0"/>
+          </a:p>
+        </p:txBody>
+      </p:sp>
+      <p:sp>
+        <p:nvSpPr>
+          <p:cNvPr id="7" name="Slide Number Placeholder 6"/>
+          <p:cNvSpPr>
+            <a:spLocks noGrp="1"/>
+          </p:cNvSpPr>
+          <p:nvPr>
+            <p:ph type="sldNum" sz="quarter" idx="12"/>
+          </p:nvPr>
+        </p:nvSpPr>
+        <p:spPr/>
+        <p:txBody>
+          <a:bodyPr/>
+          <a:lstStyle>
+            <a:lvl1pPr>
+              <a:defRPr smtClean="0">
+                <a:latin typeface="Calibri" panose="020F0502020204030204" pitchFamily="34" charset="0"/>
+                <a:cs typeface="Calibri" panose="020F0502020204030204" pitchFamily="34" charset="0"/>
+              </a:defRPr>
+            </a:lvl1pPr>
+          </a:lstStyle>
+          <a:p>
+            <a:pPr>
+              <a:defRPr/>
+            </a:pPr>
+            <a:fld id="{8538DFDA-DF41-4FD4-8C0A-6F82EFED7DC6}" type="slidenum">
+              <a:rPr lang="en-US"/>
+              <a:pPr>
+                <a:defRPr/>
+              </a:pPr>
+              <a:t>‹#›</a:t>
+            </a:fld>
+            <a:endParaRPr lang="en-US" dirty="0"/>
+          </a:p>
+        </p:txBody>
+      </p:sp>
+    </p:spTree>
+    <p:extLst>
+      <p:ext uri="{BB962C8B-B14F-4D97-AF65-F5344CB8AC3E}">
+        <p14:creationId xmlns:p14="http://schemas.microsoft.com/office/powerpoint/2010/main" val="632688121"/>
+      </p:ext>
+    </p:extLst>
+  </p:cSld>
+  <p:clrMapOvr>
+    <a:masterClrMapping/>
+  </p:clrMapOvr>
+</p:sldLayout>
+</file>
+
 <file path=ppt/slideLayouts/slideLayout2.xml><?xml version="1.0" encoding="utf-8"?>
+<p:sldLayout xmlns:a="http://schemas.openxmlformats.org/drawingml/2006/main" xmlns:r="http://schemas.openxmlformats.org/officeDocument/2006/relationships" xmlns:p="http://schemas.openxmlformats.org/presentationml/2006/main" preserve="1" userDrawn="1">
+  <p:cSld name="Table">
+    <p:spTree>
+      <p:nvGrpSpPr>
+        <p:cNvPr id="1" name=""/>
+        <p:cNvGrpSpPr/>
+        <p:nvPr/>
+      </p:nvGrpSpPr>
+      <p:grpSpPr>
+        <a:xfrm>
+          <a:off x="0" y="0"/>
+          <a:ext cx="0" cy="0"/>
+          <a:chOff x="0" y="0"/>
+          <a:chExt cx="0" cy="0"/>
+        </a:xfrm>
+      </p:grpSpPr>
+      <p:sp>
+        <p:nvSpPr>
+          <p:cNvPr id="2" name="Title 1">
+            <a:extLst>
+              <a:ext uri="{FF2B5EF4-FFF2-40B4-BE49-F238E27FC236}">
+                <a16:creationId xmlns:a16="http://schemas.microsoft.com/office/drawing/2014/main" id="{1DA2DC31-56A0-45E3-9B01-FC05A044B316}"/>
+              </a:ext>
+            </a:extLst>
+          </p:cNvPr>
+          <p:cNvSpPr>
+            <a:spLocks noGrp="1"/>
+          </p:cNvSpPr>
+          <p:nvPr>
+            <p:ph type="title"/>
+          </p:nvPr>
+        </p:nvSpPr>
+        <p:spPr>
+          <a:xfrm>
+            <a:off x="609600" y="274638"/>
+            <a:ext cx="10972800" cy="639762"/>
+          </a:xfrm>
+        </p:spPr>
+        <p:txBody>
+          <a:bodyPr anchor="ctr"/>
+          <a:lstStyle>
+            <a:lvl1pPr>
+              <a:defRPr sz="4000"/>
+            </a:lvl1pPr>
+          </a:lstStyle>
+          <a:p>
+            <a:r>
+              <a:rPr lang="en-US" dirty="0"/>
+              <a:t>Click to edit Master title style</a:t>
+            </a:r>
+          </a:p>
+        </p:txBody>
+      </p:sp>
+      <p:sp>
+        <p:nvSpPr>
+          <p:cNvPr id="3" name="Date Placeholder 2">
+            <a:extLst>
+              <a:ext uri="{FF2B5EF4-FFF2-40B4-BE49-F238E27FC236}">
+                <a16:creationId xmlns:a16="http://schemas.microsoft.com/office/drawing/2014/main" id="{F6EFE4E1-DF45-439F-A811-DF498B2EE218}"/>
+              </a:ext>
+            </a:extLst>
+          </p:cNvPr>
+          <p:cNvSpPr>
+            <a:spLocks noGrp="1"/>
+          </p:cNvSpPr>
+          <p:nvPr>
+            <p:ph type="dt" sz="half" idx="10"/>
+          </p:nvPr>
+        </p:nvSpPr>
+        <p:spPr/>
+        <p:txBody>
+          <a:bodyPr/>
+          <a:lstStyle/>
+          <a:p>
+            <a:pPr>
+              <a:defRPr/>
+            </a:pPr>
+            <a:fld id="{13FD01EB-D836-496D-98CF-0450B477FE21}" type="datetime1">
+              <a:rPr lang="en-US" smtClean="0"/>
+              <a:t>5/14/2021</a:t>
+            </a:fld>
+            <a:endParaRPr lang="en-US" dirty="0"/>
+          </a:p>
+        </p:txBody>
+      </p:sp>
+      <p:sp>
+        <p:nvSpPr>
+          <p:cNvPr id="4" name="Slide Number Placeholder 3">
+            <a:extLst>
+              <a:ext uri="{FF2B5EF4-FFF2-40B4-BE49-F238E27FC236}">
+                <a16:creationId xmlns:a16="http://schemas.microsoft.com/office/drawing/2014/main" id="{15B88A5A-779B-417E-B17A-CDE249113E2F}"/>
+              </a:ext>
+            </a:extLst>
+          </p:cNvPr>
+          <p:cNvSpPr>
+            <a:spLocks noGrp="1"/>
+          </p:cNvSpPr>
+          <p:nvPr>
+            <p:ph type="sldNum" sz="quarter" idx="11"/>
+          </p:nvPr>
+        </p:nvSpPr>
+        <p:spPr/>
+        <p:txBody>
+          <a:bodyPr/>
+          <a:lstStyle/>
+          <a:p>
+            <a:pPr>
+              <a:defRPr/>
+            </a:pPr>
+            <a:fld id="{3A29FDCC-1496-4B5C-BA2E-49629EF71B71}" type="slidenum">
+              <a:rPr lang="en-US" smtClean="0"/>
+              <a:pPr>
+                <a:defRPr/>
+              </a:pPr>
+              <a:t>‹#›</a:t>
+            </a:fld>
+            <a:endParaRPr lang="en-US" dirty="0"/>
+          </a:p>
+        </p:txBody>
+      </p:sp>
+      <p:sp>
+        <p:nvSpPr>
+          <p:cNvPr id="6" name="Table Placeholder 5">
+            <a:extLst>
+              <a:ext uri="{FF2B5EF4-FFF2-40B4-BE49-F238E27FC236}">
+                <a16:creationId xmlns:a16="http://schemas.microsoft.com/office/drawing/2014/main" id="{2F231668-ABFC-4E4E-BCA9-C91EC2C3FAC2}"/>
+              </a:ext>
+            </a:extLst>
+          </p:cNvPr>
+          <p:cNvSpPr>
+            <a:spLocks noGrp="1"/>
+          </p:cNvSpPr>
+          <p:nvPr>
+            <p:ph type="tbl" sz="quarter" idx="12"/>
+          </p:nvPr>
+        </p:nvSpPr>
+        <p:spPr>
+          <a:xfrm>
+            <a:off x="609600" y="1752600"/>
+            <a:ext cx="10972800" cy="4267200"/>
+          </a:xfrm>
+        </p:spPr>
+        <p:txBody>
+          <a:bodyPr/>
+          <a:lstStyle>
+            <a:lvl1pPr marL="0" indent="0" algn="ctr">
+              <a:buNone/>
+              <a:defRPr/>
+            </a:lvl1pPr>
+          </a:lstStyle>
+          <a:p>
+            <a:endParaRPr lang="en-US" dirty="0"/>
+          </a:p>
+        </p:txBody>
+      </p:sp>
+      <p:sp>
+        <p:nvSpPr>
+          <p:cNvPr id="8" name="Subtitle 2">
+            <a:extLst>
+              <a:ext uri="{FF2B5EF4-FFF2-40B4-BE49-F238E27FC236}">
+                <a16:creationId xmlns:a16="http://schemas.microsoft.com/office/drawing/2014/main" id="{B94D8B4B-C55F-4E25-888E-8FA6BC55C8B8}"/>
+              </a:ext>
+            </a:extLst>
+          </p:cNvPr>
+          <p:cNvSpPr>
+            <a:spLocks noGrp="1"/>
+          </p:cNvSpPr>
+          <p:nvPr>
+            <p:ph type="subTitle" idx="1"/>
+          </p:nvPr>
+        </p:nvSpPr>
+        <p:spPr>
+          <a:xfrm>
+            <a:off x="609600" y="926812"/>
+            <a:ext cx="10972800" cy="639762"/>
+          </a:xfrm>
+        </p:spPr>
+        <p:txBody>
+          <a:bodyPr anchor="t"/>
+          <a:lstStyle>
+            <a:lvl1pPr marL="0" indent="0" algn="ctr">
+              <a:buNone/>
+              <a:defRPr>
+                <a:solidFill>
+                  <a:srgbClr val="999999"/>
+                </a:solidFill>
+                <a:latin typeface="Arial" panose="020B0604020202020204" pitchFamily="34" charset="0"/>
+                <a:cs typeface="Arial" panose="020B0604020202020204" pitchFamily="34" charset="0"/>
+              </a:defRPr>
+            </a:lvl1pPr>
+            <a:lvl2pPr marL="457200" indent="0" algn="ctr">
+              <a:buNone/>
+              <a:defRPr>
+                <a:solidFill>
+                  <a:schemeClr val="tx1">
+                    <a:tint val="75000"/>
+                  </a:schemeClr>
+                </a:solidFill>
+              </a:defRPr>
+            </a:lvl2pPr>
+            <a:lvl3pPr marL="914400" indent="0" algn="ctr">
+              <a:buNone/>
+              <a:defRPr>
+                <a:solidFill>
+                  <a:schemeClr val="tx1">
+                    <a:tint val="75000"/>
+                  </a:schemeClr>
+                </a:solidFill>
+              </a:defRPr>
+            </a:lvl3pPr>
+            <a:lvl4pPr marL="1371600" indent="0" algn="ctr">
+              <a:buNone/>
+              <a:defRPr>
+                <a:solidFill>
+                  <a:schemeClr val="tx1">
+                    <a:tint val="75000"/>
+                  </a:schemeClr>
+                </a:solidFill>
+              </a:defRPr>
+            </a:lvl4pPr>
+            <a:lvl5pPr marL="1828800" indent="0" algn="ctr">
+              <a:buNone/>
+              <a:defRPr>
+                <a:solidFill>
+                  <a:schemeClr val="tx1">
+                    <a:tint val="75000"/>
+                  </a:schemeClr>
+                </a:solidFill>
+              </a:defRPr>
+            </a:lvl5pPr>
+            <a:lvl6pPr marL="2286000" indent="0" algn="ctr">
+              <a:buNone/>
+              <a:defRPr>
+                <a:solidFill>
+                  <a:schemeClr val="tx1">
+                    <a:tint val="75000"/>
+                  </a:schemeClr>
+                </a:solidFill>
+              </a:defRPr>
+            </a:lvl6pPr>
+            <a:lvl7pPr marL="2743200" indent="0" algn="ctr">
+              <a:buNone/>
+              <a:defRPr>
+                <a:solidFill>
+                  <a:schemeClr val="tx1">
+                    <a:tint val="75000"/>
+                  </a:schemeClr>
+                </a:solidFill>
+              </a:defRPr>
+            </a:lvl7pPr>
+            <a:lvl8pPr marL="3200400" indent="0" algn="ctr">
+              <a:buNone/>
+              <a:defRPr>
+                <a:solidFill>
+                  <a:schemeClr val="tx1">
+                    <a:tint val="75000"/>
+                  </a:schemeClr>
+                </a:solidFill>
+              </a:defRPr>
+            </a:lvl8pPr>
+            <a:lvl9pPr marL="3657600" indent="0" algn="ctr">
+              <a:buNone/>
+              <a:defRPr>
+                <a:solidFill>
+                  <a:schemeClr val="tx1">
+                    <a:tint val="75000"/>
+                  </a:schemeClr>
+                </a:solidFill>
+              </a:defRPr>
+            </a:lvl9pPr>
+          </a:lstStyle>
+          <a:p>
+            <a:r>
+              <a:rPr lang="en-US" dirty="0"/>
+              <a:t>Click to edit Master subtitle style</a:t>
+            </a:r>
+          </a:p>
+        </p:txBody>
+      </p:sp>
+    </p:spTree>
+    <p:extLst>
+      <p:ext uri="{BB962C8B-B14F-4D97-AF65-F5344CB8AC3E}">
+        <p14:creationId xmlns:p14="http://schemas.microsoft.com/office/powerpoint/2010/main" val="3295277872"/>
+      </p:ext>
+    </p:extLst>
+  </p:cSld>
+  <p:clrMapOvr>
+    <a:masterClrMapping/>
+  </p:clrMapOvr>
+</p:sldLayout>
+</file>
+
+<file path=ppt/slideLayouts/slideLayout3.xml><?xml version="1.0" encoding="utf-8"?>
+<p:sldLayout xmlns:a="http://schemas.openxmlformats.org/drawingml/2006/main" xmlns:r="http://schemas.openxmlformats.org/officeDocument/2006/relationships" xmlns:p="http://schemas.openxmlformats.org/presentationml/2006/main" preserve="1" userDrawn="1">
+  <p:cSld name="Two Table Vertical">
+    <p:spTree>
+      <p:nvGrpSpPr>
+        <p:cNvPr id="1" name=""/>
+        <p:cNvGrpSpPr/>
+        <p:nvPr/>
+      </p:nvGrpSpPr>
+      <p:grpSpPr>
+        <a:xfrm>
+          <a:off x="0" y="0"/>
+          <a:ext cx="0" cy="0"/>
+          <a:chOff x="0" y="0"/>
+          <a:chExt cx="0" cy="0"/>
+        </a:xfrm>
+      </p:grpSpPr>
+      <p:sp>
+        <p:nvSpPr>
+          <p:cNvPr id="2" name="Title 1">
+            <a:extLst>
+              <a:ext uri="{FF2B5EF4-FFF2-40B4-BE49-F238E27FC236}">
+                <a16:creationId xmlns:a16="http://schemas.microsoft.com/office/drawing/2014/main" id="{7453C604-54CE-4A0B-BB19-633A1F28A002}"/>
+              </a:ext>
+            </a:extLst>
+          </p:cNvPr>
+          <p:cNvSpPr>
+            <a:spLocks noGrp="1"/>
+          </p:cNvSpPr>
+          <p:nvPr>
+            <p:ph type="title"/>
+          </p:nvPr>
+        </p:nvSpPr>
+        <p:spPr>
+          <a:xfrm>
+            <a:off x="609600" y="274638"/>
+            <a:ext cx="10972800" cy="639762"/>
+          </a:xfrm>
+        </p:spPr>
+        <p:txBody>
+          <a:bodyPr/>
+          <a:lstStyle>
+            <a:lvl1pPr>
+              <a:defRPr sz="4000"/>
+            </a:lvl1pPr>
+          </a:lstStyle>
+          <a:p>
+            <a:r>
+              <a:rPr lang="en-US" dirty="0"/>
+              <a:t>Click to edit Master title style</a:t>
+            </a:r>
+          </a:p>
+        </p:txBody>
+      </p:sp>
+      <p:sp>
+        <p:nvSpPr>
+          <p:cNvPr id="3" name="Date Placeholder 2">
+            <a:extLst>
+              <a:ext uri="{FF2B5EF4-FFF2-40B4-BE49-F238E27FC236}">
+                <a16:creationId xmlns:a16="http://schemas.microsoft.com/office/drawing/2014/main" id="{24B3EBFC-A390-46FF-AF91-DFB5170F3B0D}"/>
+              </a:ext>
+            </a:extLst>
+          </p:cNvPr>
+          <p:cNvSpPr>
+            <a:spLocks noGrp="1"/>
+          </p:cNvSpPr>
+          <p:nvPr>
+            <p:ph type="dt" sz="half" idx="10"/>
+          </p:nvPr>
+        </p:nvSpPr>
+        <p:spPr/>
+        <p:txBody>
+          <a:bodyPr/>
+          <a:lstStyle/>
+          <a:p>
+            <a:pPr>
+              <a:defRPr/>
+            </a:pPr>
+            <a:fld id="{EA0E7256-E9D9-44CE-B1E4-5D70230DB5D8}" type="datetime1">
+              <a:rPr lang="en-US" smtClean="0"/>
+              <a:t>5/14/2021</a:t>
+            </a:fld>
+            <a:endParaRPr lang="en-US" dirty="0"/>
+          </a:p>
+        </p:txBody>
+      </p:sp>
+      <p:sp>
+        <p:nvSpPr>
+          <p:cNvPr id="4" name="Slide Number Placeholder 3">
+            <a:extLst>
+              <a:ext uri="{FF2B5EF4-FFF2-40B4-BE49-F238E27FC236}">
+                <a16:creationId xmlns:a16="http://schemas.microsoft.com/office/drawing/2014/main" id="{D3DCB80A-4BA0-4DA9-B89B-F2A3C14D53F4}"/>
+              </a:ext>
+            </a:extLst>
+          </p:cNvPr>
+          <p:cNvSpPr>
+            <a:spLocks noGrp="1"/>
+          </p:cNvSpPr>
+          <p:nvPr>
+            <p:ph type="sldNum" sz="quarter" idx="11"/>
+          </p:nvPr>
+        </p:nvSpPr>
+        <p:spPr/>
+        <p:txBody>
+          <a:bodyPr/>
+          <a:lstStyle/>
+          <a:p>
+            <a:pPr>
+              <a:defRPr/>
+            </a:pPr>
+            <a:fld id="{3A29FDCC-1496-4B5C-BA2E-49629EF71B71}" type="slidenum">
+              <a:rPr lang="en-US" smtClean="0"/>
+              <a:pPr>
+                <a:defRPr/>
+              </a:pPr>
+              <a:t>‹#›</a:t>
+            </a:fld>
+            <a:endParaRPr lang="en-US" dirty="0"/>
+          </a:p>
+        </p:txBody>
+      </p:sp>
+      <p:sp>
+        <p:nvSpPr>
+          <p:cNvPr id="6" name="Table Placeholder 5">
+            <a:extLst>
+              <a:ext uri="{FF2B5EF4-FFF2-40B4-BE49-F238E27FC236}">
+                <a16:creationId xmlns:a16="http://schemas.microsoft.com/office/drawing/2014/main" id="{0C9EA69D-AD74-4520-B9B2-97CBF638E394}"/>
+              </a:ext>
+            </a:extLst>
+          </p:cNvPr>
+          <p:cNvSpPr>
+            <a:spLocks noGrp="1"/>
+          </p:cNvSpPr>
+          <p:nvPr>
+            <p:ph type="tbl" sz="quarter" idx="12"/>
+          </p:nvPr>
+        </p:nvSpPr>
+        <p:spPr>
+          <a:xfrm>
+            <a:off x="609599" y="1752600"/>
+            <a:ext cx="10972799" cy="2130552"/>
+          </a:xfrm>
+        </p:spPr>
+        <p:txBody>
+          <a:bodyPr/>
+          <a:lstStyle>
+            <a:lvl1pPr marL="0" indent="0" algn="ctr">
+              <a:buNone/>
+              <a:defRPr/>
+            </a:lvl1pPr>
+          </a:lstStyle>
+          <a:p>
+            <a:endParaRPr lang="en-US" dirty="0"/>
+          </a:p>
+        </p:txBody>
+      </p:sp>
+      <p:sp>
+        <p:nvSpPr>
+          <p:cNvPr id="7" name="Subtitle 2">
+            <a:extLst>
+              <a:ext uri="{FF2B5EF4-FFF2-40B4-BE49-F238E27FC236}">
+                <a16:creationId xmlns:a16="http://schemas.microsoft.com/office/drawing/2014/main" id="{C35ECEA5-8AAC-466C-A8C9-1F5BE599DBA2}"/>
+              </a:ext>
+            </a:extLst>
+          </p:cNvPr>
+          <p:cNvSpPr>
+            <a:spLocks noGrp="1"/>
+          </p:cNvSpPr>
+          <p:nvPr>
+            <p:ph type="subTitle" idx="1"/>
+          </p:nvPr>
+        </p:nvSpPr>
+        <p:spPr>
+          <a:xfrm>
+            <a:off x="609597" y="933072"/>
+            <a:ext cx="10972800" cy="590928"/>
+          </a:xfrm>
+        </p:spPr>
+        <p:txBody>
+          <a:bodyPr anchor="t"/>
+          <a:lstStyle>
+            <a:lvl1pPr marL="0" indent="0" algn="ctr">
+              <a:buNone/>
+              <a:defRPr>
+                <a:solidFill>
+                  <a:srgbClr val="999999"/>
+                </a:solidFill>
+                <a:latin typeface="Arial" panose="020B0604020202020204" pitchFamily="34" charset="0"/>
+                <a:cs typeface="Arial" panose="020B0604020202020204" pitchFamily="34" charset="0"/>
+              </a:defRPr>
+            </a:lvl1pPr>
+            <a:lvl2pPr marL="457200" indent="0" algn="ctr">
+              <a:buNone/>
+              <a:defRPr>
+                <a:solidFill>
+                  <a:schemeClr val="tx1">
+                    <a:tint val="75000"/>
+                  </a:schemeClr>
+                </a:solidFill>
+              </a:defRPr>
+            </a:lvl2pPr>
+            <a:lvl3pPr marL="914400" indent="0" algn="ctr">
+              <a:buNone/>
+              <a:defRPr>
+                <a:solidFill>
+                  <a:schemeClr val="tx1">
+                    <a:tint val="75000"/>
+                  </a:schemeClr>
+                </a:solidFill>
+              </a:defRPr>
+            </a:lvl3pPr>
+            <a:lvl4pPr marL="1371600" indent="0" algn="ctr">
+              <a:buNone/>
+              <a:defRPr>
+                <a:solidFill>
+                  <a:schemeClr val="tx1">
+                    <a:tint val="75000"/>
+                  </a:schemeClr>
+                </a:solidFill>
+              </a:defRPr>
+            </a:lvl4pPr>
+            <a:lvl5pPr marL="1828800" indent="0" algn="ctr">
+              <a:buNone/>
+              <a:defRPr>
+                <a:solidFill>
+                  <a:schemeClr val="tx1">
+                    <a:tint val="75000"/>
+                  </a:schemeClr>
+                </a:solidFill>
+              </a:defRPr>
+            </a:lvl5pPr>
+            <a:lvl6pPr marL="2286000" indent="0" algn="ctr">
+              <a:buNone/>
+              <a:defRPr>
+                <a:solidFill>
+                  <a:schemeClr val="tx1">
+                    <a:tint val="75000"/>
+                  </a:schemeClr>
+                </a:solidFill>
+              </a:defRPr>
+            </a:lvl6pPr>
+            <a:lvl7pPr marL="2743200" indent="0" algn="ctr">
+              <a:buNone/>
+              <a:defRPr>
+                <a:solidFill>
+                  <a:schemeClr val="tx1">
+                    <a:tint val="75000"/>
+                  </a:schemeClr>
+                </a:solidFill>
+              </a:defRPr>
+            </a:lvl7pPr>
+            <a:lvl8pPr marL="3200400" indent="0" algn="ctr">
+              <a:buNone/>
+              <a:defRPr>
+                <a:solidFill>
+                  <a:schemeClr val="tx1">
+                    <a:tint val="75000"/>
+                  </a:schemeClr>
+                </a:solidFill>
+              </a:defRPr>
+            </a:lvl8pPr>
+            <a:lvl9pPr marL="3657600" indent="0" algn="ctr">
+              <a:buNone/>
+              <a:defRPr>
+                <a:solidFill>
+                  <a:schemeClr val="tx1">
+                    <a:tint val="75000"/>
+                  </a:schemeClr>
+                </a:solidFill>
+              </a:defRPr>
+            </a:lvl9pPr>
+          </a:lstStyle>
+          <a:p>
+            <a:r>
+              <a:rPr lang="en-US" dirty="0"/>
+              <a:t>Click to edit Master subtitle style</a:t>
+            </a:r>
+          </a:p>
+        </p:txBody>
+      </p:sp>
+      <p:sp>
+        <p:nvSpPr>
+          <p:cNvPr id="9" name="Table Placeholder 5">
+            <a:extLst>
+              <a:ext uri="{FF2B5EF4-FFF2-40B4-BE49-F238E27FC236}">
+                <a16:creationId xmlns:a16="http://schemas.microsoft.com/office/drawing/2014/main" id="{B8FD890F-78ED-4BDF-9E91-7FE8B4E71E7B}"/>
+              </a:ext>
+            </a:extLst>
+          </p:cNvPr>
+          <p:cNvSpPr>
+            <a:spLocks noGrp="1"/>
+          </p:cNvSpPr>
+          <p:nvPr>
+            <p:ph type="tbl" sz="quarter" idx="13"/>
+          </p:nvPr>
+        </p:nvSpPr>
+        <p:spPr>
+          <a:xfrm>
+            <a:off x="609598" y="3885655"/>
+            <a:ext cx="10972799" cy="2130552"/>
+          </a:xfrm>
+        </p:spPr>
+        <p:txBody>
+          <a:bodyPr/>
+          <a:lstStyle>
+            <a:lvl1pPr marL="0" indent="0" algn="ctr">
+              <a:buNone/>
+              <a:defRPr/>
+            </a:lvl1pPr>
+          </a:lstStyle>
+          <a:p>
+            <a:endParaRPr lang="en-US" dirty="0"/>
+          </a:p>
+        </p:txBody>
+      </p:sp>
+    </p:spTree>
+    <p:extLst>
+      <p:ext uri="{BB962C8B-B14F-4D97-AF65-F5344CB8AC3E}">
+        <p14:creationId xmlns:p14="http://schemas.microsoft.com/office/powerpoint/2010/main" val="128478345"/>
+      </p:ext>
+    </p:extLst>
+  </p:cSld>
+  <p:clrMapOvr>
+    <a:masterClrMapping/>
+  </p:clrMapOvr>
+</p:sldLayout>
+</file>
+
+<file path=ppt/slideLayouts/slideLayout4.xml><?xml version="1.0" encoding="utf-8"?>
+<p:sldLayout xmlns:a="http://schemas.openxmlformats.org/drawingml/2006/main" xmlns:r="http://schemas.openxmlformats.org/officeDocument/2006/relationships" xmlns:p="http://schemas.openxmlformats.org/presentationml/2006/main" preserve="1" userDrawn="1">
+  <p:cSld name="Picture only">
+    <p:spTree>
+      <p:nvGrpSpPr>
+        <p:cNvPr id="1" name=""/>
+        <p:cNvGrpSpPr/>
+        <p:nvPr/>
+      </p:nvGrpSpPr>
+      <p:grpSpPr>
+        <a:xfrm>
+          <a:off x="0" y="0"/>
+          <a:ext cx="0" cy="0"/>
+          <a:chOff x="0" y="0"/>
+          <a:chExt cx="0" cy="0"/>
+        </a:xfrm>
+      </p:grpSpPr>
+      <p:sp>
+        <p:nvSpPr>
+          <p:cNvPr id="3" name="Date Placeholder 2">
+            <a:extLst>
+              <a:ext uri="{FF2B5EF4-FFF2-40B4-BE49-F238E27FC236}">
+                <a16:creationId xmlns:a16="http://schemas.microsoft.com/office/drawing/2014/main" id="{996C245C-B465-45B8-828D-F0A78833F4C3}"/>
+              </a:ext>
+            </a:extLst>
+          </p:cNvPr>
+          <p:cNvSpPr>
+            <a:spLocks noGrp="1"/>
+          </p:cNvSpPr>
+          <p:nvPr>
+            <p:ph type="dt" sz="half" idx="10"/>
+          </p:nvPr>
+        </p:nvSpPr>
+        <p:spPr/>
+        <p:txBody>
+          <a:bodyPr/>
+          <a:lstStyle/>
+          <a:p>
+            <a:pPr>
+              <a:defRPr/>
+            </a:pPr>
+            <a:fld id="{C79288BF-C334-4EE6-ADBE-D2A1161E2D23}" type="datetime1">
+              <a:rPr lang="en-US" smtClean="0"/>
+              <a:t>5/14/2021</a:t>
+            </a:fld>
+            <a:endParaRPr lang="en-US" dirty="0"/>
+          </a:p>
+        </p:txBody>
+      </p:sp>
+      <p:sp>
+        <p:nvSpPr>
+          <p:cNvPr id="4" name="Slide Number Placeholder 3">
+            <a:extLst>
+              <a:ext uri="{FF2B5EF4-FFF2-40B4-BE49-F238E27FC236}">
+                <a16:creationId xmlns:a16="http://schemas.microsoft.com/office/drawing/2014/main" id="{B150D56E-CA7A-4B43-9AB4-7C8C67D5BFF8}"/>
+              </a:ext>
+            </a:extLst>
+          </p:cNvPr>
+          <p:cNvSpPr>
+            <a:spLocks noGrp="1"/>
+          </p:cNvSpPr>
+          <p:nvPr>
+            <p:ph type="sldNum" sz="quarter" idx="11"/>
+          </p:nvPr>
+        </p:nvSpPr>
+        <p:spPr/>
+        <p:txBody>
+          <a:bodyPr/>
+          <a:lstStyle/>
+          <a:p>
+            <a:pPr>
+              <a:defRPr/>
+            </a:pPr>
+            <a:fld id="{3A29FDCC-1496-4B5C-BA2E-49629EF71B71}" type="slidenum">
+              <a:rPr lang="en-US" smtClean="0"/>
+              <a:pPr>
+                <a:defRPr/>
+              </a:pPr>
+              <a:t>‹#›</a:t>
+            </a:fld>
+            <a:endParaRPr lang="en-US" dirty="0"/>
+          </a:p>
+        </p:txBody>
+      </p:sp>
+      <p:sp>
+        <p:nvSpPr>
+          <p:cNvPr id="6" name="Picture Placeholder 5">
+            <a:extLst>
+              <a:ext uri="{FF2B5EF4-FFF2-40B4-BE49-F238E27FC236}">
+                <a16:creationId xmlns:a16="http://schemas.microsoft.com/office/drawing/2014/main" id="{EB4E5914-13F6-4F9C-AB1C-18FA5F743319}"/>
+              </a:ext>
+            </a:extLst>
+          </p:cNvPr>
+          <p:cNvSpPr>
+            <a:spLocks noGrp="1"/>
+          </p:cNvSpPr>
+          <p:nvPr>
+            <p:ph type="pic" sz="quarter" idx="12"/>
+          </p:nvPr>
+        </p:nvSpPr>
+        <p:spPr>
+          <a:xfrm>
+            <a:off x="746760" y="0"/>
+            <a:ext cx="10698480" cy="6019800"/>
+          </a:xfrm>
+        </p:spPr>
+        <p:txBody>
+          <a:bodyPr/>
+          <a:lstStyle>
+            <a:lvl1pPr marL="0" indent="0" algn="ctr">
+              <a:buNone/>
+              <a:defRPr/>
+            </a:lvl1pPr>
+          </a:lstStyle>
+          <a:p>
+            <a:r>
+              <a:rPr lang="en-US" dirty="0"/>
+              <a:t>Click icon to add picture</a:t>
+            </a:r>
+          </a:p>
+        </p:txBody>
+      </p:sp>
+    </p:spTree>
+    <p:extLst>
+      <p:ext uri="{BB962C8B-B14F-4D97-AF65-F5344CB8AC3E}">
+        <p14:creationId xmlns:p14="http://schemas.microsoft.com/office/powerpoint/2010/main" val="3761347843"/>
+      </p:ext>
+    </p:extLst>
+  </p:cSld>
+  <p:clrMapOvr>
+    <a:masterClrMapping/>
+  </p:clrMapOvr>
+</p:sldLayout>
+</file>
+
+<file path=ppt/slideLayouts/slideLayout5.xml><?xml version="1.0" encoding="utf-8"?>
 <p:sldLayout xmlns:a="http://schemas.openxmlformats.org/drawingml/2006/main" xmlns:r="http://schemas.openxmlformats.org/officeDocument/2006/relationships" xmlns:p="http://schemas.openxmlformats.org/presentationml/2006/main" type="obj" preserve="1">
   <p:cSld name="Title and Content">
     <p:spTree>
@@ -1044,7 +2423,12 @@
             <p:ph type="title"/>
           </p:nvPr>
         </p:nvSpPr>
-        <p:spPr/>
+        <p:spPr>
+          <a:xfrm>
+            <a:off x="609600" y="274638"/>
+            <a:ext cx="10972800" cy="639762"/>
+          </a:xfrm>
+        </p:spPr>
         <p:txBody>
           <a:bodyPr/>
           <a:lstStyle>
@@ -1071,10 +2455,9 @@
           </a:lstStyle>
           <a:p>
             <a:r>
-              <a:rPr lang="en-US"/>
+              <a:rPr lang="en-US" dirty="0"/>
               <a:t>Click to edit Master title style</a:t>
             </a:r>
-            <a:endParaRPr lang="en-US" dirty="0"/>
           </a:p>
         </p:txBody>
       </p:sp>
@@ -1090,8 +2473,8 @@
         </p:nvSpPr>
         <p:spPr>
           <a:xfrm>
-            <a:off x="609600" y="1600206"/>
-            <a:ext cx="10972800" cy="4419594"/>
+            <a:off x="609600" y="1143000"/>
+            <a:ext cx="10972800" cy="4876800"/>
           </a:xfrm>
         </p:spPr>
         <p:txBody>
@@ -1195,12 +2578,9 @@
             <a:pPr>
               <a:defRPr/>
             </a:pPr>
-            <a:fld id="{62DC7F61-FA0A-444C-B8D1-25D4DDA438A0}" type="datetimeFigureOut">
-              <a:rPr lang="en-US"/>
-              <a:pPr>
-                <a:defRPr/>
-              </a:pPr>
-              <a:t>5/13/2021</a:t>
+            <a:fld id="{30F9E8A2-4147-47D3-8A3E-E0D858C35853}" type="datetime1">
+              <a:rPr lang="en-US" smtClean="0"/>
+              <a:t>5/14/2021</a:t>
             </a:fld>
             <a:endParaRPr lang="en-US" dirty="0"/>
           </a:p>
@@ -1255,7 +2635,7 @@
 </p:sldLayout>
 </file>
 
-<file path=ppt/slideLayouts/slideLayout3.xml><?xml version="1.0" encoding="utf-8"?>
+<file path=ppt/slideLayouts/slideLayout6.xml><?xml version="1.0" encoding="utf-8"?>
 <p:sldLayout xmlns:a="http://schemas.openxmlformats.org/drawingml/2006/main" xmlns:r="http://schemas.openxmlformats.org/officeDocument/2006/relationships" xmlns:p="http://schemas.openxmlformats.org/presentationml/2006/main" type="secHead" preserve="1">
   <p:cSld name="Section Header">
     <p:spTree>
@@ -1465,12 +2845,9 @@
             <a:pPr>
               <a:defRPr/>
             </a:pPr>
-            <a:fld id="{F58D5DF0-DBF9-4263-9F1A-58C34EA7C9E1}" type="datetimeFigureOut">
-              <a:rPr lang="en-US"/>
-              <a:pPr>
-                <a:defRPr/>
-              </a:pPr>
-              <a:t>5/13/2021</a:t>
+            <a:fld id="{5B84C2F6-9E0D-4E17-9E61-FABC68D63F41}" type="datetime1">
+              <a:rPr lang="en-US" smtClean="0"/>
+              <a:t>5/14/2021</a:t>
             </a:fld>
             <a:endParaRPr lang="en-US" dirty="0"/>
           </a:p>
@@ -1525,7 +2902,7 @@
 </p:sldLayout>
 </file>
 
-<file path=ppt/slideLayouts/slideLayout4.xml><?xml version="1.0" encoding="utf-8"?>
+<file path=ppt/slideLayouts/slideLayout7.xml><?xml version="1.0" encoding="utf-8"?>
 <p:sldLayout xmlns:a="http://schemas.openxmlformats.org/drawingml/2006/main" xmlns:r="http://schemas.openxmlformats.org/officeDocument/2006/relationships" xmlns:p="http://schemas.openxmlformats.org/presentationml/2006/main" type="twoObj" preserve="1">
   <p:cSld name="Two Content">
     <p:spTree>
@@ -1840,12 +3217,9 @@
             <a:pPr>
               <a:defRPr/>
             </a:pPr>
-            <a:fld id="{A6A63D11-548D-4A07-B1F5-CE290C2E4FDD}" type="datetimeFigureOut">
-              <a:rPr lang="en-US"/>
-              <a:pPr>
-                <a:defRPr/>
-              </a:pPr>
-              <a:t>5/13/2021</a:t>
+            <a:fld id="{E94624B4-D5F9-4BA3-9BB4-2E0D94849020}" type="datetime1">
+              <a:rPr lang="en-US" smtClean="0"/>
+              <a:t>5/14/2021</a:t>
             </a:fld>
             <a:endParaRPr lang="en-US" dirty="0"/>
           </a:p>
@@ -1900,7 +3274,7 @@
 </p:sldLayout>
 </file>
 
-<file path=ppt/slideLayouts/slideLayout5.xml><?xml version="1.0" encoding="utf-8"?>
+<file path=ppt/slideLayouts/slideLayout8.xml><?xml version="1.0" encoding="utf-8"?>
 <p:sldLayout xmlns:a="http://schemas.openxmlformats.org/drawingml/2006/main" xmlns:r="http://schemas.openxmlformats.org/officeDocument/2006/relationships" xmlns:p="http://schemas.openxmlformats.org/presentationml/2006/main" type="titleOnly" preserve="1">
   <p:cSld name="Title Only">
     <p:spTree>
@@ -1985,12 +3359,9 @@
             <a:pPr>
               <a:defRPr/>
             </a:pPr>
-            <a:fld id="{91EE8D2A-46DA-46A1-9810-2FA2A87A8987}" type="datetimeFigureOut">
-              <a:rPr lang="en-US"/>
-              <a:pPr>
-                <a:defRPr/>
-              </a:pPr>
-              <a:t>5/13/2021</a:t>
+            <a:fld id="{B808CF3A-5470-4422-BEB8-F0F7810FD9CD}" type="datetime1">
+              <a:rPr lang="en-US" smtClean="0"/>
+              <a:t>5/14/2021</a:t>
             </a:fld>
             <a:endParaRPr lang="en-US"/>
           </a:p>
@@ -2045,7 +3416,7 @@
 </p:sldLayout>
 </file>
 
-<file path=ppt/slideLayouts/slideLayout6.xml><?xml version="1.0" encoding="utf-8"?>
+<file path=ppt/slideLayouts/slideLayout9.xml><?xml version="1.0" encoding="utf-8"?>
 <p:sldLayout xmlns:a="http://schemas.openxmlformats.org/drawingml/2006/main" xmlns:r="http://schemas.openxmlformats.org/officeDocument/2006/relationships" xmlns:p="http://schemas.openxmlformats.org/presentationml/2006/main" type="blank" preserve="1">
   <p:cSld name="Blank">
     <p:spTree>
@@ -2084,12 +3455,9 @@
             <a:pPr>
               <a:defRPr/>
             </a:pPr>
-            <a:fld id="{785BDC82-F5FA-4039-B1EF-AE4FD11779F8}" type="datetimeFigureOut">
-              <a:rPr lang="en-US"/>
-              <a:pPr>
-                <a:defRPr/>
-              </a:pPr>
-              <a:t>5/13/2021</a:t>
+            <a:fld id="{325DE4A2-975A-43F8-84F3-1E80D760408D}" type="datetime1">
+              <a:rPr lang="en-US" smtClean="0"/>
+              <a:t>5/14/2021</a:t>
             </a:fld>
             <a:endParaRPr lang="en-US" dirty="0"/>
           </a:p>
@@ -2132,776 +3500,6 @@
     <p:extLst>
       <p:ext uri="{BB962C8B-B14F-4D97-AF65-F5344CB8AC3E}">
         <p14:creationId xmlns:p14="http://schemas.microsoft.com/office/powerpoint/2010/main" val="3711074169"/>
-      </p:ext>
-    </p:extLst>
-  </p:cSld>
-  <p:clrMapOvr>
-    <a:masterClrMapping/>
-  </p:clrMapOvr>
-</p:sldLayout>
-</file>
-
-<file path=ppt/slideLayouts/slideLayout7.xml><?xml version="1.0" encoding="utf-8"?>
-<p:sldLayout xmlns:a="http://schemas.openxmlformats.org/drawingml/2006/main" xmlns:r="http://schemas.openxmlformats.org/officeDocument/2006/relationships" xmlns:p="http://schemas.openxmlformats.org/presentationml/2006/main" type="objTx" preserve="1">
-  <p:cSld name="Content with Caption">
-    <p:spTree>
-      <p:nvGrpSpPr>
-        <p:cNvPr id="1" name=""/>
-        <p:cNvGrpSpPr/>
-        <p:nvPr/>
-      </p:nvGrpSpPr>
-      <p:grpSpPr>
-        <a:xfrm>
-          <a:off x="0" y="0"/>
-          <a:ext cx="0" cy="0"/>
-          <a:chOff x="0" y="0"/>
-          <a:chExt cx="0" cy="0"/>
-        </a:xfrm>
-      </p:grpSpPr>
-      <p:sp>
-        <p:nvSpPr>
-          <p:cNvPr id="2" name="Title 1"/>
-          <p:cNvSpPr>
-            <a:spLocks noGrp="1"/>
-          </p:cNvSpPr>
-          <p:nvPr>
-            <p:ph type="title"/>
-          </p:nvPr>
-        </p:nvSpPr>
-        <p:spPr>
-          <a:xfrm>
-            <a:off x="609603" y="273050"/>
-            <a:ext cx="4011084" cy="1162050"/>
-          </a:xfrm>
-        </p:spPr>
-        <p:txBody>
-          <a:bodyPr anchor="b"/>
-          <a:lstStyle>
-            <a:lvl1pPr algn="ctr" rtl="0" eaLnBrk="0" fontAlgn="base" hangingPunct="0">
-              <a:spcBef>
-                <a:spcPct val="0"/>
-              </a:spcBef>
-              <a:spcAft>
-                <a:spcPct val="0"/>
-              </a:spcAft>
-              <a:defRPr lang="en-US" sz="2200" b="1" kern="1200" spc="-150" dirty="0">
-                <a:ln w="3175">
-                  <a:noFill/>
-                </a:ln>
-                <a:solidFill>
-                  <a:srgbClr val="4D4D4D"/>
-                </a:solidFill>
-                <a:effectLst/>
-                <a:latin typeface="Arial" panose="020B0604020202020204" pitchFamily="34" charset="0"/>
-                <a:ea typeface="Tahoma" panose="020B0604030504040204" pitchFamily="34" charset="0"/>
-                <a:cs typeface="Arial" panose="020B0604020202020204" pitchFamily="34" charset="0"/>
-              </a:defRPr>
-            </a:lvl1pPr>
-          </a:lstStyle>
-          <a:p>
-            <a:r>
-              <a:rPr lang="en-US"/>
-              <a:t>Click to edit Master title style</a:t>
-            </a:r>
-            <a:endParaRPr lang="en-US" dirty="0"/>
-          </a:p>
-        </p:txBody>
-      </p:sp>
-      <p:sp>
-        <p:nvSpPr>
-          <p:cNvPr id="3" name="Content Placeholder 2"/>
-          <p:cNvSpPr>
-            <a:spLocks noGrp="1"/>
-          </p:cNvSpPr>
-          <p:nvPr>
-            <p:ph idx="1"/>
-          </p:nvPr>
-        </p:nvSpPr>
-        <p:spPr>
-          <a:xfrm>
-            <a:off x="4766733" y="273055"/>
-            <a:ext cx="6815667" cy="5746745"/>
-          </a:xfrm>
-        </p:spPr>
-        <p:txBody>
-          <a:bodyPr/>
-          <a:lstStyle>
-            <a:lvl1pPr>
-              <a:defRPr sz="3200">
-                <a:solidFill>
-                  <a:srgbClr val="4D4D4D"/>
-                </a:solidFill>
-                <a:latin typeface="Arial" panose="020B0604020202020204" pitchFamily="34" charset="0"/>
-                <a:cs typeface="Arial" panose="020B0604020202020204" pitchFamily="34" charset="0"/>
-              </a:defRPr>
-            </a:lvl1pPr>
-            <a:lvl2pPr>
-              <a:defRPr sz="2800">
-                <a:solidFill>
-                  <a:srgbClr val="4D4D4D"/>
-                </a:solidFill>
-                <a:latin typeface="Arial" panose="020B0604020202020204" pitchFamily="34" charset="0"/>
-                <a:cs typeface="Arial" panose="020B0604020202020204" pitchFamily="34" charset="0"/>
-              </a:defRPr>
-            </a:lvl2pPr>
-            <a:lvl3pPr>
-              <a:defRPr sz="2400">
-                <a:solidFill>
-                  <a:srgbClr val="4D4D4D"/>
-                </a:solidFill>
-                <a:latin typeface="Arial" panose="020B0604020202020204" pitchFamily="34" charset="0"/>
-                <a:cs typeface="Arial" panose="020B0604020202020204" pitchFamily="34" charset="0"/>
-              </a:defRPr>
-            </a:lvl3pPr>
-            <a:lvl4pPr>
-              <a:defRPr sz="2000">
-                <a:solidFill>
-                  <a:srgbClr val="4D4D4D"/>
-                </a:solidFill>
-                <a:latin typeface="Arial" panose="020B0604020202020204" pitchFamily="34" charset="0"/>
-                <a:cs typeface="Arial" panose="020B0604020202020204" pitchFamily="34" charset="0"/>
-              </a:defRPr>
-            </a:lvl4pPr>
-            <a:lvl5pPr>
-              <a:defRPr sz="2000">
-                <a:solidFill>
-                  <a:srgbClr val="4D4D4D"/>
-                </a:solidFill>
-                <a:latin typeface="Arial" panose="020B0604020202020204" pitchFamily="34" charset="0"/>
-                <a:cs typeface="Arial" panose="020B0604020202020204" pitchFamily="34" charset="0"/>
-              </a:defRPr>
-            </a:lvl5pPr>
-            <a:lvl6pPr>
-              <a:defRPr sz="2000"/>
-            </a:lvl6pPr>
-            <a:lvl7pPr>
-              <a:defRPr sz="2000"/>
-            </a:lvl7pPr>
-            <a:lvl8pPr>
-              <a:defRPr sz="2000"/>
-            </a:lvl8pPr>
-            <a:lvl9pPr>
-              <a:defRPr sz="2000"/>
-            </a:lvl9pPr>
-          </a:lstStyle>
-          <a:p>
-            <a:pPr lvl="0"/>
-            <a:r>
-              <a:rPr lang="en-US"/>
-              <a:t>Edit Master text styles</a:t>
-            </a:r>
-          </a:p>
-          <a:p>
-            <a:pPr lvl="1"/>
-            <a:r>
-              <a:rPr lang="en-US"/>
-              <a:t>Second level</a:t>
-            </a:r>
-          </a:p>
-          <a:p>
-            <a:pPr lvl="2"/>
-            <a:r>
-              <a:rPr lang="en-US"/>
-              <a:t>Third level</a:t>
-            </a:r>
-          </a:p>
-          <a:p>
-            <a:pPr lvl="3"/>
-            <a:r>
-              <a:rPr lang="en-US"/>
-              <a:t>Fourth level</a:t>
-            </a:r>
-          </a:p>
-          <a:p>
-            <a:pPr lvl="4"/>
-            <a:r>
-              <a:rPr lang="en-US"/>
-              <a:t>Fifth level</a:t>
-            </a:r>
-            <a:endParaRPr lang="en-US" dirty="0"/>
-          </a:p>
-        </p:txBody>
-      </p:sp>
-      <p:sp>
-        <p:nvSpPr>
-          <p:cNvPr id="4" name="Text Placeholder 3"/>
-          <p:cNvSpPr>
-            <a:spLocks noGrp="1"/>
-          </p:cNvSpPr>
-          <p:nvPr>
-            <p:ph type="body" sz="half" idx="2"/>
-          </p:nvPr>
-        </p:nvSpPr>
-        <p:spPr>
-          <a:xfrm>
-            <a:off x="609603" y="1435103"/>
-            <a:ext cx="4011084" cy="4584697"/>
-          </a:xfrm>
-        </p:spPr>
-        <p:txBody>
-          <a:bodyPr/>
-          <a:lstStyle>
-            <a:lvl1pPr marL="0" indent="0">
-              <a:buNone/>
-              <a:defRPr sz="1400">
-                <a:solidFill>
-                  <a:srgbClr val="4D4D4D"/>
-                </a:solidFill>
-                <a:latin typeface="Arial" panose="020B0604020202020204" pitchFamily="34" charset="0"/>
-                <a:cs typeface="Arial" panose="020B0604020202020204" pitchFamily="34" charset="0"/>
-              </a:defRPr>
-            </a:lvl1pPr>
-            <a:lvl2pPr marL="457200" indent="0">
-              <a:buNone/>
-              <a:defRPr sz="1200"/>
-            </a:lvl2pPr>
-            <a:lvl3pPr marL="914400" indent="0">
-              <a:buNone/>
-              <a:defRPr sz="1000"/>
-            </a:lvl3pPr>
-            <a:lvl4pPr marL="1371600" indent="0">
-              <a:buNone/>
-              <a:defRPr sz="900"/>
-            </a:lvl4pPr>
-            <a:lvl5pPr marL="1828800" indent="0">
-              <a:buNone/>
-              <a:defRPr sz="900"/>
-            </a:lvl5pPr>
-            <a:lvl6pPr marL="2286000" indent="0">
-              <a:buNone/>
-              <a:defRPr sz="900"/>
-            </a:lvl6pPr>
-            <a:lvl7pPr marL="2743200" indent="0">
-              <a:buNone/>
-              <a:defRPr sz="900"/>
-            </a:lvl7pPr>
-            <a:lvl8pPr marL="3200400" indent="0">
-              <a:buNone/>
-              <a:defRPr sz="900"/>
-            </a:lvl8pPr>
-            <a:lvl9pPr marL="3657600" indent="0">
-              <a:buNone/>
-              <a:defRPr sz="900"/>
-            </a:lvl9pPr>
-          </a:lstStyle>
-          <a:p>
-            <a:pPr lvl="0"/>
-            <a:r>
-              <a:rPr lang="en-US"/>
-              <a:t>Edit Master text styles</a:t>
-            </a:r>
-          </a:p>
-        </p:txBody>
-      </p:sp>
-      <p:sp>
-        <p:nvSpPr>
-          <p:cNvPr id="5" name="Date Placeholder 4"/>
-          <p:cNvSpPr>
-            <a:spLocks noGrp="1"/>
-          </p:cNvSpPr>
-          <p:nvPr>
-            <p:ph type="dt" sz="half" idx="10"/>
-          </p:nvPr>
-        </p:nvSpPr>
-        <p:spPr/>
-        <p:txBody>
-          <a:bodyPr/>
-          <a:lstStyle>
-            <a:lvl1pPr>
-              <a:defRPr smtClean="0">
-                <a:latin typeface="Calibri" panose="020F0502020204030204" pitchFamily="34" charset="0"/>
-                <a:cs typeface="Calibri" panose="020F0502020204030204" pitchFamily="34" charset="0"/>
-              </a:defRPr>
-            </a:lvl1pPr>
-          </a:lstStyle>
-          <a:p>
-            <a:pPr>
-              <a:defRPr/>
-            </a:pPr>
-            <a:fld id="{64A57C2B-99B2-4025-ABBD-80D5A9C8C2F3}" type="datetimeFigureOut">
-              <a:rPr lang="en-US"/>
-              <a:pPr>
-                <a:defRPr/>
-              </a:pPr>
-              <a:t>5/13/2021</a:t>
-            </a:fld>
-            <a:endParaRPr lang="en-US" dirty="0"/>
-          </a:p>
-        </p:txBody>
-      </p:sp>
-      <p:sp>
-        <p:nvSpPr>
-          <p:cNvPr id="7" name="Slide Number Placeholder 6"/>
-          <p:cNvSpPr>
-            <a:spLocks noGrp="1"/>
-          </p:cNvSpPr>
-          <p:nvPr>
-            <p:ph type="sldNum" sz="quarter" idx="12"/>
-          </p:nvPr>
-        </p:nvSpPr>
-        <p:spPr/>
-        <p:txBody>
-          <a:bodyPr/>
-          <a:lstStyle>
-            <a:lvl1pPr>
-              <a:defRPr smtClean="0">
-                <a:latin typeface="Calibri" panose="020F0502020204030204" pitchFamily="34" charset="0"/>
-                <a:cs typeface="Calibri" panose="020F0502020204030204" pitchFamily="34" charset="0"/>
-              </a:defRPr>
-            </a:lvl1pPr>
-          </a:lstStyle>
-          <a:p>
-            <a:pPr>
-              <a:defRPr/>
-            </a:pPr>
-            <a:fld id="{69478CE7-86D0-46AB-9072-277B9FE79F44}" type="slidenum">
-              <a:rPr lang="en-US"/>
-              <a:pPr>
-                <a:defRPr/>
-              </a:pPr>
-              <a:t>‹#›</a:t>
-            </a:fld>
-            <a:endParaRPr lang="en-US" dirty="0"/>
-          </a:p>
-        </p:txBody>
-      </p:sp>
-    </p:spTree>
-    <p:extLst>
-      <p:ext uri="{BB962C8B-B14F-4D97-AF65-F5344CB8AC3E}">
-        <p14:creationId xmlns:p14="http://schemas.microsoft.com/office/powerpoint/2010/main" val="695978928"/>
-      </p:ext>
-    </p:extLst>
-  </p:cSld>
-  <p:clrMapOvr>
-    <a:masterClrMapping/>
-  </p:clrMapOvr>
-</p:sldLayout>
-</file>
-
-<file path=ppt/slideLayouts/slideLayout8.xml><?xml version="1.0" encoding="utf-8"?>
-<p:sldLayout xmlns:a="http://schemas.openxmlformats.org/drawingml/2006/main" xmlns:r="http://schemas.openxmlformats.org/officeDocument/2006/relationships" xmlns:p="http://schemas.openxmlformats.org/presentationml/2006/main" preserve="1" userDrawn="1">
-  <p:cSld name="Picture with Caption">
-    <p:spTree>
-      <p:nvGrpSpPr>
-        <p:cNvPr id="1" name=""/>
-        <p:cNvGrpSpPr/>
-        <p:nvPr/>
-      </p:nvGrpSpPr>
-      <p:grpSpPr>
-        <a:xfrm>
-          <a:off x="0" y="0"/>
-          <a:ext cx="0" cy="0"/>
-          <a:chOff x="0" y="0"/>
-          <a:chExt cx="0" cy="0"/>
-        </a:xfrm>
-      </p:grpSpPr>
-      <p:sp>
-        <p:nvSpPr>
-          <p:cNvPr id="2" name="Title 1"/>
-          <p:cNvSpPr>
-            <a:spLocks noGrp="1"/>
-          </p:cNvSpPr>
-          <p:nvPr>
-            <p:ph type="title"/>
-          </p:nvPr>
-        </p:nvSpPr>
-        <p:spPr>
-          <a:xfrm>
-            <a:off x="1982808" y="4885532"/>
-            <a:ext cx="8129015" cy="566738"/>
-          </a:xfrm>
-        </p:spPr>
-        <p:txBody>
-          <a:bodyPr anchor="b"/>
-          <a:lstStyle>
-            <a:lvl1pPr algn="l">
-              <a:defRPr sz="2000" b="1">
-                <a:solidFill>
-                  <a:srgbClr val="4D4D4D"/>
-                </a:solidFill>
-                <a:latin typeface="Arial" panose="020B0604020202020204" pitchFamily="34" charset="0"/>
-                <a:cs typeface="Arial" panose="020B0604020202020204" pitchFamily="34" charset="0"/>
-              </a:defRPr>
-            </a:lvl1pPr>
-          </a:lstStyle>
-          <a:p>
-            <a:r>
-              <a:rPr lang="en-US" dirty="0"/>
-              <a:t>Click to edit Master title style</a:t>
-            </a:r>
-          </a:p>
-        </p:txBody>
-      </p:sp>
-      <p:sp>
-        <p:nvSpPr>
-          <p:cNvPr id="3" name="Picture Placeholder 2"/>
-          <p:cNvSpPr>
-            <a:spLocks noGrp="1"/>
-          </p:cNvSpPr>
-          <p:nvPr>
-            <p:ph type="pic" idx="1"/>
-          </p:nvPr>
-        </p:nvSpPr>
-        <p:spPr>
-          <a:xfrm>
-            <a:off x="1982809" y="306605"/>
-            <a:ext cx="8129016" cy="4572000"/>
-          </a:xfrm>
-        </p:spPr>
-        <p:txBody>
-          <a:bodyPr rtlCol="0">
-            <a:normAutofit/>
-          </a:bodyPr>
-          <a:lstStyle>
-            <a:lvl1pPr marL="0" indent="0" algn="ctr" rtl="0" eaLnBrk="0" fontAlgn="base" hangingPunct="0">
-              <a:spcBef>
-                <a:spcPct val="0"/>
-              </a:spcBef>
-              <a:spcAft>
-                <a:spcPct val="0"/>
-              </a:spcAft>
-              <a:buNone/>
-              <a:defRPr lang="en-US" sz="4000" b="1" kern="1200" spc="-150" noProof="0" dirty="0">
-                <a:ln w="3175">
-                  <a:noFill/>
-                </a:ln>
-                <a:solidFill>
-                  <a:srgbClr val="4D4D4D"/>
-                </a:solidFill>
-                <a:effectLst/>
-                <a:latin typeface="Arial" panose="020B0604020202020204" pitchFamily="34" charset="0"/>
-                <a:ea typeface="Tahoma" panose="020B0604030504040204" pitchFamily="34" charset="0"/>
-                <a:cs typeface="Arial" panose="020B0604020202020204" pitchFamily="34" charset="0"/>
-              </a:defRPr>
-            </a:lvl1pPr>
-            <a:lvl2pPr marL="457200" indent="0">
-              <a:buNone/>
-              <a:defRPr sz="2800"/>
-            </a:lvl2pPr>
-            <a:lvl3pPr marL="914400" indent="0">
-              <a:buNone/>
-              <a:defRPr sz="2400"/>
-            </a:lvl3pPr>
-            <a:lvl4pPr marL="1371600" indent="0">
-              <a:buNone/>
-              <a:defRPr sz="2000"/>
-            </a:lvl4pPr>
-            <a:lvl5pPr marL="1828800" indent="0">
-              <a:buNone/>
-              <a:defRPr sz="2000"/>
-            </a:lvl5pPr>
-            <a:lvl6pPr marL="2286000" indent="0">
-              <a:buNone/>
-              <a:defRPr sz="2000"/>
-            </a:lvl6pPr>
-            <a:lvl7pPr marL="2743200" indent="0">
-              <a:buNone/>
-              <a:defRPr sz="2000"/>
-            </a:lvl7pPr>
-            <a:lvl8pPr marL="3200400" indent="0">
-              <a:buNone/>
-              <a:defRPr sz="2000"/>
-            </a:lvl8pPr>
-            <a:lvl9pPr marL="3657600" indent="0">
-              <a:buNone/>
-              <a:defRPr sz="2000"/>
-            </a:lvl9pPr>
-          </a:lstStyle>
-          <a:p>
-            <a:pPr lvl="0"/>
-            <a:r>
-              <a:rPr lang="en-US" noProof="0"/>
-              <a:t>Click icon to add picture</a:t>
-            </a:r>
-            <a:endParaRPr lang="en-US" noProof="0" dirty="0"/>
-          </a:p>
-        </p:txBody>
-      </p:sp>
-      <p:sp>
-        <p:nvSpPr>
-          <p:cNvPr id="4" name="Text Placeholder 3"/>
-          <p:cNvSpPr>
-            <a:spLocks noGrp="1"/>
-          </p:cNvSpPr>
-          <p:nvPr>
-            <p:ph type="body" sz="half" idx="2"/>
-          </p:nvPr>
-        </p:nvSpPr>
-        <p:spPr>
-          <a:xfrm>
-            <a:off x="1982808" y="5452270"/>
-            <a:ext cx="8129015" cy="566738"/>
-          </a:xfrm>
-        </p:spPr>
-        <p:txBody>
-          <a:bodyPr/>
-          <a:lstStyle>
-            <a:lvl1pPr marL="0" indent="0">
-              <a:buNone/>
-              <a:defRPr sz="1400">
-                <a:solidFill>
-                  <a:srgbClr val="999999"/>
-                </a:solidFill>
-                <a:latin typeface="Arial" panose="020B0604020202020204" pitchFamily="34" charset="0"/>
-                <a:cs typeface="Arial" panose="020B0604020202020204" pitchFamily="34" charset="0"/>
-              </a:defRPr>
-            </a:lvl1pPr>
-            <a:lvl2pPr marL="457200" indent="0">
-              <a:buNone/>
-              <a:defRPr sz="1200"/>
-            </a:lvl2pPr>
-            <a:lvl3pPr marL="914400" indent="0">
-              <a:buNone/>
-              <a:defRPr sz="1000"/>
-            </a:lvl3pPr>
-            <a:lvl4pPr marL="1371600" indent="0">
-              <a:buNone/>
-              <a:defRPr sz="900"/>
-            </a:lvl4pPr>
-            <a:lvl5pPr marL="1828800" indent="0">
-              <a:buNone/>
-              <a:defRPr sz="900"/>
-            </a:lvl5pPr>
-            <a:lvl6pPr marL="2286000" indent="0">
-              <a:buNone/>
-              <a:defRPr sz="900"/>
-            </a:lvl6pPr>
-            <a:lvl7pPr marL="2743200" indent="0">
-              <a:buNone/>
-              <a:defRPr sz="900"/>
-            </a:lvl7pPr>
-            <a:lvl8pPr marL="3200400" indent="0">
-              <a:buNone/>
-              <a:defRPr sz="900"/>
-            </a:lvl8pPr>
-            <a:lvl9pPr marL="3657600" indent="0">
-              <a:buNone/>
-              <a:defRPr sz="900"/>
-            </a:lvl9pPr>
-          </a:lstStyle>
-          <a:p>
-            <a:pPr lvl="0"/>
-            <a:r>
-              <a:rPr lang="en-US"/>
-              <a:t>Edit Master text styles</a:t>
-            </a:r>
-          </a:p>
-        </p:txBody>
-      </p:sp>
-      <p:sp>
-        <p:nvSpPr>
-          <p:cNvPr id="5" name="Date Placeholder 4"/>
-          <p:cNvSpPr>
-            <a:spLocks noGrp="1"/>
-          </p:cNvSpPr>
-          <p:nvPr>
-            <p:ph type="dt" sz="half" idx="10"/>
-          </p:nvPr>
-        </p:nvSpPr>
-        <p:spPr/>
-        <p:txBody>
-          <a:bodyPr/>
-          <a:lstStyle>
-            <a:lvl1pPr>
-              <a:defRPr smtClean="0">
-                <a:latin typeface="Calibri" panose="020F0502020204030204" pitchFamily="34" charset="0"/>
-                <a:cs typeface="Calibri" panose="020F0502020204030204" pitchFamily="34" charset="0"/>
-              </a:defRPr>
-            </a:lvl1pPr>
-          </a:lstStyle>
-          <a:p>
-            <a:pPr>
-              <a:defRPr/>
-            </a:pPr>
-            <a:fld id="{4DA5991A-B546-470A-9267-09BE54BFECF8}" type="datetimeFigureOut">
-              <a:rPr lang="en-US"/>
-              <a:pPr>
-                <a:defRPr/>
-              </a:pPr>
-              <a:t>5/13/2021</a:t>
-            </a:fld>
-            <a:endParaRPr lang="en-US" dirty="0"/>
-          </a:p>
-        </p:txBody>
-      </p:sp>
-      <p:sp>
-        <p:nvSpPr>
-          <p:cNvPr id="7" name="Slide Number Placeholder 6"/>
-          <p:cNvSpPr>
-            <a:spLocks noGrp="1"/>
-          </p:cNvSpPr>
-          <p:nvPr>
-            <p:ph type="sldNum" sz="quarter" idx="12"/>
-          </p:nvPr>
-        </p:nvSpPr>
-        <p:spPr/>
-        <p:txBody>
-          <a:bodyPr/>
-          <a:lstStyle>
-            <a:lvl1pPr>
-              <a:defRPr smtClean="0">
-                <a:latin typeface="Calibri" panose="020F0502020204030204" pitchFamily="34" charset="0"/>
-                <a:cs typeface="Calibri" panose="020F0502020204030204" pitchFamily="34" charset="0"/>
-              </a:defRPr>
-            </a:lvl1pPr>
-          </a:lstStyle>
-          <a:p>
-            <a:pPr>
-              <a:defRPr/>
-            </a:pPr>
-            <a:fld id="{8538DFDA-DF41-4FD4-8C0A-6F82EFED7DC6}" type="slidenum">
-              <a:rPr lang="en-US"/>
-              <a:pPr>
-                <a:defRPr/>
-              </a:pPr>
-              <a:t>‹#›</a:t>
-            </a:fld>
-            <a:endParaRPr lang="en-US" dirty="0"/>
-          </a:p>
-        </p:txBody>
-      </p:sp>
-    </p:spTree>
-    <p:extLst>
-      <p:ext uri="{BB962C8B-B14F-4D97-AF65-F5344CB8AC3E}">
-        <p14:creationId xmlns:p14="http://schemas.microsoft.com/office/powerpoint/2010/main" val="632688121"/>
-      </p:ext>
-    </p:extLst>
-  </p:cSld>
-  <p:clrMapOvr>
-    <a:masterClrMapping/>
-  </p:clrMapOvr>
-</p:sldLayout>
-</file>
-
-<file path=ppt/slideLayouts/slideLayout9.xml><?xml version="1.0" encoding="utf-8"?>
-<p:sldLayout xmlns:a="http://schemas.openxmlformats.org/drawingml/2006/main" xmlns:r="http://schemas.openxmlformats.org/officeDocument/2006/relationships" xmlns:p="http://schemas.openxmlformats.org/presentationml/2006/main" preserve="1" userDrawn="1">
-  <p:cSld name="Picture only">
-    <p:spTree>
-      <p:nvGrpSpPr>
-        <p:cNvPr id="1" name=""/>
-        <p:cNvGrpSpPr/>
-        <p:nvPr/>
-      </p:nvGrpSpPr>
-      <p:grpSpPr>
-        <a:xfrm>
-          <a:off x="0" y="0"/>
-          <a:ext cx="0" cy="0"/>
-          <a:chOff x="0" y="0"/>
-          <a:chExt cx="0" cy="0"/>
-        </a:xfrm>
-      </p:grpSpPr>
-      <p:sp>
-        <p:nvSpPr>
-          <p:cNvPr id="3" name="Date Placeholder 2">
-            <a:extLst>
-              <a:ext uri="{FF2B5EF4-FFF2-40B4-BE49-F238E27FC236}">
-                <a16:creationId xmlns:a16="http://schemas.microsoft.com/office/drawing/2014/main" id="{996C245C-B465-45B8-828D-F0A78833F4C3}"/>
-              </a:ext>
-            </a:extLst>
-          </p:cNvPr>
-          <p:cNvSpPr>
-            <a:spLocks noGrp="1"/>
-          </p:cNvSpPr>
-          <p:nvPr>
-            <p:ph type="dt" sz="half" idx="10"/>
-          </p:nvPr>
-        </p:nvSpPr>
-        <p:spPr/>
-        <p:txBody>
-          <a:bodyPr/>
-          <a:lstStyle/>
-          <a:p>
-            <a:pPr>
-              <a:defRPr/>
-            </a:pPr>
-            <a:fld id="{71DEDE08-16ED-45E0-A625-D198A28BC8E1}" type="datetimeFigureOut">
-              <a:rPr lang="en-US" smtClean="0"/>
-              <a:pPr>
-                <a:defRPr/>
-              </a:pPr>
-              <a:t>5/13/2021</a:t>
-            </a:fld>
-            <a:endParaRPr lang="en-US" dirty="0"/>
-          </a:p>
-        </p:txBody>
-      </p:sp>
-      <p:sp>
-        <p:nvSpPr>
-          <p:cNvPr id="4" name="Slide Number Placeholder 3">
-            <a:extLst>
-              <a:ext uri="{FF2B5EF4-FFF2-40B4-BE49-F238E27FC236}">
-                <a16:creationId xmlns:a16="http://schemas.microsoft.com/office/drawing/2014/main" id="{B150D56E-CA7A-4B43-9AB4-7C8C67D5BFF8}"/>
-              </a:ext>
-            </a:extLst>
-          </p:cNvPr>
-          <p:cNvSpPr>
-            <a:spLocks noGrp="1"/>
-          </p:cNvSpPr>
-          <p:nvPr>
-            <p:ph type="sldNum" sz="quarter" idx="11"/>
-          </p:nvPr>
-        </p:nvSpPr>
-        <p:spPr/>
-        <p:txBody>
-          <a:bodyPr/>
-          <a:lstStyle/>
-          <a:p>
-            <a:pPr>
-              <a:defRPr/>
-            </a:pPr>
-            <a:fld id="{3A29FDCC-1496-4B5C-BA2E-49629EF71B71}" type="slidenum">
-              <a:rPr lang="en-US" smtClean="0"/>
-              <a:pPr>
-                <a:defRPr/>
-              </a:pPr>
-              <a:t>‹#›</a:t>
-            </a:fld>
-            <a:endParaRPr lang="en-US" dirty="0"/>
-          </a:p>
-        </p:txBody>
-      </p:sp>
-      <p:sp>
-        <p:nvSpPr>
-          <p:cNvPr id="6" name="Picture Placeholder 5">
-            <a:extLst>
-              <a:ext uri="{FF2B5EF4-FFF2-40B4-BE49-F238E27FC236}">
-                <a16:creationId xmlns:a16="http://schemas.microsoft.com/office/drawing/2014/main" id="{EB4E5914-13F6-4F9C-AB1C-18FA5F743319}"/>
-              </a:ext>
-            </a:extLst>
-          </p:cNvPr>
-          <p:cNvSpPr>
-            <a:spLocks noGrp="1"/>
-          </p:cNvSpPr>
-          <p:nvPr>
-            <p:ph type="pic" sz="quarter" idx="12"/>
-          </p:nvPr>
-        </p:nvSpPr>
-        <p:spPr>
-          <a:xfrm>
-            <a:off x="746760" y="0"/>
-            <a:ext cx="10698480" cy="6019800"/>
-          </a:xfrm>
-        </p:spPr>
-        <p:txBody>
-          <a:bodyPr/>
-          <a:lstStyle>
-            <a:lvl1pPr marL="0" indent="0" algn="ctr">
-              <a:buNone/>
-              <a:defRPr/>
-            </a:lvl1pPr>
-          </a:lstStyle>
-          <a:p>
-            <a:r>
-              <a:rPr lang="en-US" dirty="0"/>
-              <a:t>Click icon to add picture</a:t>
-            </a:r>
-          </a:p>
-        </p:txBody>
-      </p:sp>
-    </p:spTree>
-    <p:extLst>
-      <p:ext uri="{BB962C8B-B14F-4D97-AF65-F5344CB8AC3E}">
-        <p14:creationId xmlns:p14="http://schemas.microsoft.com/office/powerpoint/2010/main" val="3761347843"/>
       </p:ext>
     </p:extLst>
   </p:cSld>
@@ -3122,12 +3720,9 @@
             <a:pPr>
               <a:defRPr/>
             </a:pPr>
-            <a:fld id="{71DEDE08-16ED-45E0-A625-D198A28BC8E1}" type="datetimeFigureOut">
+            <a:fld id="{D295A94E-734E-4BB1-B1E2-3529378E9511}" type="datetime1">
               <a:rPr lang="en-US" smtClean="0"/>
-              <a:pPr>
-                <a:defRPr/>
-              </a:pPr>
-              <a:t>5/13/2021</a:t>
+              <a:t>5/14/2021</a:t>
             </a:fld>
             <a:endParaRPr lang="en-US" dirty="0"/>
           </a:p>
@@ -3257,7 +3852,7 @@
           <p:nvPr userDrawn="1"/>
         </p:nvPicPr>
         <p:blipFill rotWithShape="1">
-          <a:blip r:embed="rId11" cstate="print">
+          <a:blip r:embed="rId13" cstate="print">
             <a:clrChange>
               <a:clrFrom>
                 <a:srgbClr val="FFFFFF"/>
@@ -3291,15 +3886,18 @@
   <p:clrMap bg1="lt1" tx1="dk1" bg2="lt2" tx2="dk2" accent1="accent1" accent2="accent2" accent3="accent3" accent4="accent4" accent5="accent5" accent6="accent6" hlink="hlink" folHlink="folHlink"/>
   <p:sldLayoutIdLst>
     <p:sldLayoutId id="2147483793" r:id="rId1"/>
-    <p:sldLayoutId id="2147483795" r:id="rId2"/>
-    <p:sldLayoutId id="2147483796" r:id="rId3"/>
-    <p:sldLayoutId id="2147483797" r:id="rId4"/>
-    <p:sldLayoutId id="2147483799" r:id="rId5"/>
-    <p:sldLayoutId id="2147483800" r:id="rId6"/>
-    <p:sldLayoutId id="2147483801" r:id="rId7"/>
-    <p:sldLayoutId id="2147483802" r:id="rId8"/>
-    <p:sldLayoutId id="2147483803" r:id="rId9"/>
+    <p:sldLayoutId id="2147483804" r:id="rId2"/>
+    <p:sldLayoutId id="2147483805" r:id="rId3"/>
+    <p:sldLayoutId id="2147483803" r:id="rId4"/>
+    <p:sldLayoutId id="2147483795" r:id="rId5"/>
+    <p:sldLayoutId id="2147483796" r:id="rId6"/>
+    <p:sldLayoutId id="2147483797" r:id="rId7"/>
+    <p:sldLayoutId id="2147483799" r:id="rId8"/>
+    <p:sldLayoutId id="2147483800" r:id="rId9"/>
+    <p:sldLayoutId id="2147483801" r:id="rId10"/>
+    <p:sldLayoutId id="2147483802" r:id="rId11"/>
   </p:sldLayoutIdLst>
+  <p:hf hdr="0" ftr="0" dt="0"/>
   <p:txStyles>
     <p:titleStyle>
       <a:lvl1pPr algn="ctr" rtl="0" eaLnBrk="1" fontAlgn="base" hangingPunct="1">

--- a/dev/covid_report_template.pptx
+++ b/dev/covid_report_template.pptx
@@ -1431,7 +1431,7 @@
                 <a:spcPct val="0"/>
               </a:spcAft>
               <a:buNone/>
-              <a:defRPr lang="en-US" sz="4000" b="1" kern="1200" spc="-150" noProof="0" dirty="0">
+              <a:defRPr lang="en-US" sz="3200" b="1" kern="1200" spc="-150" noProof="0" dirty="0">
                 <a:ln w="3175">
                   <a:noFill/>
                 </a:ln>
@@ -1683,7 +1683,7 @@
           <a:bodyPr anchor="ctr"/>
           <a:lstStyle>
             <a:lvl1pPr>
-              <a:defRPr sz="4000"/>
+              <a:defRPr sz="3200"/>
             </a:lvl1pPr>
           </a:lstStyle>
           <a:p>
@@ -1976,7 +1976,7 @@
           <a:bodyPr/>
           <a:lstStyle>
             <a:lvl1pPr>
-              <a:defRPr sz="4000"/>
+              <a:defRPr sz="3200"/>
             </a:lvl1pPr>
           </a:lstStyle>
           <a:p>
@@ -2439,7 +2439,7 @@
               <a:spcAft>
                 <a:spcPct val="0"/>
               </a:spcAft>
-              <a:defRPr lang="en-US" sz="4000" b="1" kern="1200" spc="-150" dirty="0">
+              <a:defRPr lang="en-US" sz="3200" b="1" kern="1200" spc="-150" dirty="0">
                 <a:ln w="3175">
                   <a:noFill/>
                 </a:ln>
@@ -2940,7 +2940,7 @@
               <a:spcAft>
                 <a:spcPct val="0"/>
               </a:spcAft>
-              <a:defRPr lang="en-US" sz="4000" b="1" kern="1200" spc="-150" dirty="0">
+              <a:defRPr lang="en-US" sz="3200" b="1" kern="1200" spc="-150" dirty="0">
                 <a:ln w="3175">
                   <a:noFill/>
                 </a:ln>
@@ -3311,7 +3311,7 @@
           <a:bodyPr/>
           <a:lstStyle>
             <a:lvl1pPr>
-              <a:defRPr lang="en-US" sz="4000" b="1" kern="1200" spc="-150" dirty="0">
+              <a:defRPr lang="en-US" sz="3200" b="1" kern="1200" spc="-150" dirty="0">
                 <a:ln w="3175">
                   <a:noFill/>
                 </a:ln>
@@ -3907,7 +3907,7 @@
         <a:spcAft>
           <a:spcPct val="0"/>
         </a:spcAft>
-        <a:defRPr lang="en-US" altLang="en-US" sz="4400" b="1" kern="1200" spc="-150" dirty="0">
+        <a:defRPr lang="en-US" altLang="en-US" sz="3200" b="1" kern="1200" spc="-150" dirty="0">
           <a:ln w="3175">
             <a:noFill/>
           </a:ln>
@@ -4051,7 +4051,7 @@
         </a:spcAft>
         <a:buFont typeface="Arial" charset="0"/>
         <a:buChar char="•"/>
-        <a:defRPr sz="3200" kern="1200">
+        <a:defRPr sz="2800" kern="1200">
           <a:solidFill>
             <a:srgbClr val="4D4D4D"/>
           </a:solidFill>
@@ -4069,7 +4069,7 @@
         </a:spcAft>
         <a:buFont typeface="Arial" charset="0"/>
         <a:buChar char="–"/>
-        <a:defRPr sz="2800" kern="1200">
+        <a:defRPr sz="2400" kern="1200">
           <a:solidFill>
             <a:srgbClr val="4D4D4D"/>
           </a:solidFill>
